--- a/AT MiniProject_Sample.pptx
+++ b/AT MiniProject_Sample.pptx
@@ -6,20 +6,22 @@
     <p:sldMasterId id="2147483708" r:id="rId2"/>
   </p:sldMasterIdLst>
   <p:notesMasterIdLst>
-    <p:notesMasterId r:id="rId14"/>
+    <p:notesMasterId r:id="rId16"/>
   </p:notesMasterIdLst>
   <p:sldIdLst>
     <p:sldId id="307" r:id="rId3"/>
     <p:sldId id="308" r:id="rId4"/>
     <p:sldId id="258" r:id="rId5"/>
-    <p:sldId id="326" r:id="rId6"/>
-    <p:sldId id="327" r:id="rId7"/>
-    <p:sldId id="267" r:id="rId8"/>
-    <p:sldId id="328" r:id="rId9"/>
-    <p:sldId id="322" r:id="rId10"/>
-    <p:sldId id="323" r:id="rId11"/>
-    <p:sldId id="325" r:id="rId12"/>
-    <p:sldId id="318" r:id="rId13"/>
+    <p:sldId id="330" r:id="rId6"/>
+    <p:sldId id="334" r:id="rId7"/>
+    <p:sldId id="331" r:id="rId8"/>
+    <p:sldId id="332" r:id="rId9"/>
+    <p:sldId id="333" r:id="rId10"/>
+    <p:sldId id="326" r:id="rId11"/>
+    <p:sldId id="327" r:id="rId12"/>
+    <p:sldId id="328" r:id="rId13"/>
+    <p:sldId id="329" r:id="rId14"/>
+    <p:sldId id="318" r:id="rId15"/>
   </p:sldIdLst>
   <p:sldSz cx="9144000" cy="6858000" type="screen4x3"/>
   <p:notesSz cx="6858000" cy="9144000"/>
@@ -120,7 +122,7 @@
   </p:defaultTextStyle>
   <p:extLst>
     <p:ext uri="{EFAFB233-063F-42B5-8137-9DF3F51BA10A}">
-      <p15:sldGuideLst xmlns:p15="http://schemas.microsoft.com/office/powerpoint/2012/main" xmlns="">
+      <p15:sldGuideLst xmlns="" xmlns:p15="http://schemas.microsoft.com/office/powerpoint/2012/main">
         <p15:guide id="1" orient="horz" pos="2160">
           <p15:clr>
             <a:srgbClr val="A4A3A4"/>
@@ -219,7 +221,7 @@
           <a:p>
             <a:fld id="{C35A5324-1691-432E-9B96-DD7ECF3FE52F}" type="datetimeFigureOut">
               <a:rPr lang="en-US" smtClean="0"/>
-              <a:t>11/26/2018</a:t>
+              <a:t>11/27/2018</a:t>
             </a:fld>
             <a:endParaRPr lang="en-US" dirty="0"/>
           </a:p>
@@ -663,90 +665,6 @@
 </p:notes>
 </file>
 
-<file path=ppt/notesSlides/notesSlide3.xml><?xml version="1.0" encoding="utf-8"?>
-<p:notes xmlns:a="http://schemas.openxmlformats.org/drawingml/2006/main" xmlns:r="http://schemas.openxmlformats.org/officeDocument/2006/relationships" xmlns:p="http://schemas.openxmlformats.org/presentationml/2006/main">
-  <p:cSld>
-    <p:spTree>
-      <p:nvGrpSpPr>
-        <p:cNvPr id="1" name=""/>
-        <p:cNvGrpSpPr/>
-        <p:nvPr/>
-      </p:nvGrpSpPr>
-      <p:grpSpPr>
-        <a:xfrm>
-          <a:off x="0" y="0"/>
-          <a:ext cx="0" cy="0"/>
-          <a:chOff x="0" y="0"/>
-          <a:chExt cx="0" cy="0"/>
-        </a:xfrm>
-      </p:grpSpPr>
-      <p:sp>
-        <p:nvSpPr>
-          <p:cNvPr id="2" name="Slide Image Placeholder 1"/>
-          <p:cNvSpPr>
-            <a:spLocks noGrp="1" noRot="1" noChangeAspect="1"/>
-          </p:cNvSpPr>
-          <p:nvPr>
-            <p:ph type="sldImg"/>
-          </p:nvPr>
-        </p:nvSpPr>
-        <p:spPr/>
-      </p:sp>
-      <p:sp>
-        <p:nvSpPr>
-          <p:cNvPr id="3" name="Notes Placeholder 2"/>
-          <p:cNvSpPr>
-            <a:spLocks noGrp="1"/>
-          </p:cNvSpPr>
-          <p:nvPr>
-            <p:ph type="body" idx="1"/>
-          </p:nvPr>
-        </p:nvSpPr>
-        <p:spPr/>
-        <p:txBody>
-          <a:bodyPr/>
-          <a:lstStyle/>
-          <a:p>
-            <a:endParaRPr lang="en-US" dirty="0"/>
-          </a:p>
-        </p:txBody>
-      </p:sp>
-      <p:sp>
-        <p:nvSpPr>
-          <p:cNvPr id="4" name="Slide Number Placeholder 3"/>
-          <p:cNvSpPr>
-            <a:spLocks noGrp="1"/>
-          </p:cNvSpPr>
-          <p:nvPr>
-            <p:ph type="sldNum" sz="quarter" idx="10"/>
-          </p:nvPr>
-        </p:nvSpPr>
-        <p:spPr/>
-        <p:txBody>
-          <a:bodyPr/>
-          <a:lstStyle/>
-          <a:p>
-            <a:fld id="{55FCEDEF-2737-46F8-AF36-888F22E9CACE}" type="slidenum">
-              <a:rPr lang="en-US" smtClean="0"/>
-              <a:t>6</a:t>
-            </a:fld>
-            <a:endParaRPr lang="en-US" dirty="0"/>
-          </a:p>
-        </p:txBody>
-      </p:sp>
-    </p:spTree>
-    <p:extLst>
-      <p:ext uri="{BB962C8B-B14F-4D97-AF65-F5344CB8AC3E}">
-        <p14:creationId xmlns:p14="http://schemas.microsoft.com/office/powerpoint/2010/main" val="1976525663"/>
-      </p:ext>
-    </p:extLst>
-  </p:cSld>
-  <p:clrMapOvr>
-    <a:masterClrMapping/>
-  </p:clrMapOvr>
-</p:notes>
-</file>
-
 <file path=ppt/slideLayouts/slideLayout1.xml><?xml version="1.0" encoding="utf-8"?>
 <p:sldLayout xmlns:a="http://schemas.openxmlformats.org/drawingml/2006/main" xmlns:r="http://schemas.openxmlformats.org/officeDocument/2006/relationships" xmlns:p="http://schemas.openxmlformats.org/presentationml/2006/main" type="title" preserve="1">
   <p:cSld name="Title Slide">
@@ -939,7 +857,7 @@
           <a:p>
             <a:fld id="{6D1A9F14-C511-417B-A9FD-D24FC59BDCAC}" type="datetime1">
               <a:rPr lang="en-US" smtClean="0"/>
-              <a:t>11/26/2018</a:t>
+              <a:t>11/27/2018</a:t>
             </a:fld>
             <a:endParaRPr lang="en-US" dirty="0"/>
           </a:p>
@@ -1106,7 +1024,7 @@
           <a:p>
             <a:fld id="{FDBBCBAB-C02B-4274-A7B8-550998EC6408}" type="datetime1">
               <a:rPr lang="en-US" smtClean="0"/>
-              <a:t>11/26/2018</a:t>
+              <a:t>11/27/2018</a:t>
             </a:fld>
             <a:endParaRPr lang="en-US" dirty="0"/>
           </a:p>
@@ -1283,7 +1201,7 @@
           <a:p>
             <a:fld id="{4F4CA2D8-4097-488C-8F22-5B6BC7F8F25F}" type="datetime1">
               <a:rPr lang="en-US" smtClean="0"/>
-              <a:t>11/26/2018</a:t>
+              <a:t>11/27/2018</a:t>
             </a:fld>
             <a:endParaRPr lang="en-US" dirty="0"/>
           </a:p>
@@ -1534,7 +1452,7 @@
                 </a:solidFill>
               </a:rPr>
               <a:pPr/>
-              <a:t>11/26/2018</a:t>
+              <a:t>11/27/2018</a:t>
             </a:fld>
             <a:endParaRPr lang="en-US" dirty="0">
               <a:solidFill>
@@ -1752,7 +1670,7 @@
                 </a:solidFill>
               </a:rPr>
               <a:pPr/>
-              <a:t>11/26/2018</a:t>
+              <a:t>11/27/2018</a:t>
             </a:fld>
             <a:endParaRPr lang="en-US" dirty="0">
               <a:solidFill>
@@ -2046,7 +1964,7 @@
                 </a:solidFill>
               </a:rPr>
               <a:pPr/>
-              <a:t>11/26/2018</a:t>
+              <a:t>11/27/2018</a:t>
             </a:fld>
             <a:endParaRPr lang="en-US" dirty="0">
               <a:solidFill>
@@ -2380,7 +2298,7 @@
                 </a:solidFill>
               </a:rPr>
               <a:pPr/>
-              <a:t>11/26/2018</a:t>
+              <a:t>11/27/2018</a:t>
             </a:fld>
             <a:endParaRPr lang="en-US" dirty="0">
               <a:solidFill>
@@ -2848,7 +2766,7 @@
                 </a:solidFill>
               </a:rPr>
               <a:pPr/>
-              <a:t>11/26/2018</a:t>
+              <a:t>11/27/2018</a:t>
             </a:fld>
             <a:endParaRPr lang="en-US" dirty="0">
               <a:solidFill>
@@ -3014,7 +2932,7 @@
                 </a:solidFill>
               </a:rPr>
               <a:pPr/>
-              <a:t>11/26/2018</a:t>
+              <a:t>11/27/2018</a:t>
             </a:fld>
             <a:endParaRPr lang="en-US" dirty="0">
               <a:solidFill>
@@ -3158,7 +3076,7 @@
                 </a:solidFill>
               </a:rPr>
               <a:pPr/>
-              <a:t>11/26/2018</a:t>
+              <a:t>11/27/2018</a:t>
             </a:fld>
             <a:endParaRPr lang="en-US" dirty="0">
               <a:solidFill>
@@ -3482,7 +3400,7 @@
                 </a:solidFill>
               </a:rPr>
               <a:pPr/>
-              <a:t>11/26/2018</a:t>
+              <a:t>11/27/2018</a:t>
             </a:fld>
             <a:endParaRPr lang="en-US" dirty="0">
               <a:solidFill>
@@ -3706,7 +3624,7 @@
           <a:p>
             <a:fld id="{743E3948-EF4E-487D-A973-F020DFB0C13D}" type="datetime1">
               <a:rPr lang="en-US" smtClean="0"/>
-              <a:t>11/26/2018</a:t>
+              <a:t>11/27/2018</a:t>
             </a:fld>
             <a:endParaRPr lang="en-US" dirty="0"/>
           </a:p>
@@ -3969,7 +3887,7 @@
                 </a:solidFill>
               </a:rPr>
               <a:pPr/>
-              <a:t>11/26/2018</a:t>
+              <a:t>11/27/2018</a:t>
             </a:fld>
             <a:endParaRPr lang="en-US" dirty="0">
               <a:solidFill>
@@ -4186,7 +4104,7 @@
                 </a:solidFill>
               </a:rPr>
               <a:pPr/>
-              <a:t>11/26/2018</a:t>
+              <a:t>11/27/2018</a:t>
             </a:fld>
             <a:endParaRPr lang="en-US" dirty="0">
               <a:solidFill>
@@ -4413,7 +4331,7 @@
                 </a:solidFill>
               </a:rPr>
               <a:pPr/>
-              <a:t>11/26/2018</a:t>
+              <a:t>11/27/2018</a:t>
             </a:fld>
             <a:endParaRPr lang="en-US" dirty="0">
               <a:solidFill>
@@ -4716,7 +4634,7 @@
           <a:p>
             <a:fld id="{69382192-DBA8-43EE-99A4-050572532554}" type="datetime1">
               <a:rPr lang="en-US" smtClean="0"/>
-              <a:t>11/26/2018</a:t>
+              <a:t>11/27/2018</a:t>
             </a:fld>
             <a:endParaRPr lang="en-US" dirty="0"/>
           </a:p>
@@ -5066,7 +4984,7 @@
           <a:p>
             <a:fld id="{0AFCC562-935D-439C-A9D0-99D4A236FD23}" type="datetime1">
               <a:rPr lang="en-US" smtClean="0"/>
-              <a:t>11/26/2018</a:t>
+              <a:t>11/27/2018</a:t>
             </a:fld>
             <a:endParaRPr lang="en-US" dirty="0"/>
           </a:p>
@@ -5375,7 +5293,7 @@
           <a:p>
             <a:fld id="{E05759BC-0EB8-42E7-A3E5-26D3D51497DF}" type="datetime1">
               <a:rPr lang="en-US" smtClean="0"/>
-              <a:t>11/26/2018</a:t>
+              <a:t>11/27/2018</a:t>
             </a:fld>
             <a:endParaRPr lang="en-US" dirty="0"/>
           </a:p>
@@ -5605,7 +5523,7 @@
           <a:p>
             <a:fld id="{96431F1A-BFC5-405E-A04F-D0A8DD753E51}" type="datetime1">
               <a:rPr lang="en-US" smtClean="0"/>
-              <a:t>11/26/2018</a:t>
+              <a:t>11/27/2018</a:t>
             </a:fld>
             <a:endParaRPr lang="en-US" dirty="0"/>
           </a:p>
@@ -5698,7 +5616,7 @@
           <a:p>
             <a:fld id="{4634B6A5-54F2-4F05-9229-C065F0C5A5E7}" type="datetime1">
               <a:rPr lang="en-US" smtClean="0"/>
-              <a:t>11/26/2018</a:t>
+              <a:t>11/27/2018</a:t>
             </a:fld>
             <a:endParaRPr lang="en-US" dirty="0"/>
           </a:p>
@@ -5989,7 +5907,7 @@
           <a:p>
             <a:fld id="{09B801CD-400D-4959-9D90-8FBA5EEFE16D}" type="datetime1">
               <a:rPr lang="en-US" smtClean="0"/>
-              <a:t>11/26/2018</a:t>
+              <a:t>11/27/2018</a:t>
             </a:fld>
             <a:endParaRPr lang="en-US" dirty="0"/>
           </a:p>
@@ -6260,7 +6178,7 @@
           <a:p>
             <a:fld id="{6A650644-5C5C-4C15-8677-274220AE684D}" type="datetime1">
               <a:rPr lang="en-US" smtClean="0"/>
-              <a:t>11/26/2018</a:t>
+              <a:t>11/27/2018</a:t>
             </a:fld>
             <a:endParaRPr lang="en-US" dirty="0"/>
           </a:p>
@@ -6473,7 +6391,7 @@
           <a:p>
             <a:fld id="{9A46F6BC-7E90-4C48-A62D-F06457316283}" type="datetime1">
               <a:rPr lang="en-US" smtClean="0"/>
-              <a:t>11/26/2018</a:t>
+              <a:t>11/27/2018</a:t>
             </a:fld>
             <a:endParaRPr lang="en-US" dirty="0"/>
           </a:p>
@@ -7116,7 +7034,7 @@
               <a:pPr>
                 <a:defRPr/>
               </a:pPr>
-              <a:t>November 26, 2018</a:t>
+              <a:t>November 27, 2018</a:t>
             </a:fld>
             <a:endParaRPr lang="en-US" sz="800" dirty="0">
               <a:solidFill>
@@ -7908,7 +7826,7 @@
         </p:nvSpPr>
         <p:spPr>
           <a:xfrm>
-            <a:off x="0" y="147905"/>
+            <a:off x="0" y="428714"/>
             <a:ext cx="9144000" cy="5715000"/>
           </a:xfrm>
           <a:prstGeom prst="rect">
@@ -7945,10 +7863,22 @@
               <a:defRPr/>
             </a:pPr>
             <a:r>
-              <a:rPr lang="en-US" sz="4000" dirty="0" smtClean="0"/>
+              <a:rPr lang="en-US" sz="4800" b="1" dirty="0" smtClean="0">
+                <a:solidFill>
+                  <a:schemeClr val="bg1"/>
+                </a:solidFill>
+                <a:latin typeface="Bell MT" pitchFamily="18" charset="0"/>
+                <a:ea typeface="Batang" pitchFamily="18" charset="-127"/>
+              </a:rPr>
               <a:t>E-Commerce Website Testing</a:t>
             </a:r>
-            <a:endParaRPr lang="en-US" sz="4000" dirty="0"/>
+            <a:endParaRPr lang="en-US" sz="4800" b="1" dirty="0">
+              <a:solidFill>
+                <a:schemeClr val="bg1"/>
+              </a:solidFill>
+              <a:latin typeface="Bell MT" pitchFamily="18" charset="0"/>
+              <a:ea typeface="Batang" pitchFamily="18" charset="-127"/>
+            </a:endParaRPr>
           </a:p>
         </p:txBody>
       </p:sp>
@@ -8445,39 +8375,280 @@
             <p:ph type="title"/>
           </p:nvPr>
         </p:nvSpPr>
+        <p:spPr>
+          <a:xfrm>
+            <a:off x="304800" y="304800"/>
+            <a:ext cx="8229600" cy="762000"/>
+          </a:xfrm>
+        </p:spPr>
+        <p:txBody>
+          <a:bodyPr>
+            <a:normAutofit fontScale="90000"/>
+          </a:bodyPr>
+          <a:lstStyle/>
+          <a:p>
+            <a:pPr algn="ctr"/>
+            <a:r>
+              <a:rPr lang="en-US" sz="3100" b="1" dirty="0">
+                <a:solidFill>
+                  <a:schemeClr val="accent4">
+                    <a:lumMod val="75000"/>
+                  </a:schemeClr>
+                </a:solidFill>
+                <a:latin typeface="Batang" pitchFamily="18" charset="-127"/>
+                <a:ea typeface="Batang" pitchFamily="18" charset="-127"/>
+              </a:rPr>
+              <a:t>TEST CASES</a:t>
+            </a:r>
+            <a:r>
+              <a:rPr lang="en-US" dirty="0">
+                <a:latin typeface="Baskerville Old Face" pitchFamily="18" charset="0"/>
+              </a:rPr>
+              <a:t/>
+            </a:r>
+            <a:br>
+              <a:rPr lang="en-US" dirty="0">
+                <a:latin typeface="Baskerville Old Face" pitchFamily="18" charset="0"/>
+              </a:rPr>
+            </a:br>
+            <a:endParaRPr lang="en-US" dirty="0"/>
+          </a:p>
+        </p:txBody>
+      </p:sp>
+      <p:sp>
+        <p:nvSpPr>
+          <p:cNvPr id="3" name="Content Placeholder 2"/>
+          <p:cNvSpPr>
+            <a:spLocks noGrp="1"/>
+          </p:cNvSpPr>
+          <p:nvPr>
+            <p:ph idx="1"/>
+          </p:nvPr>
+        </p:nvSpPr>
         <p:spPr/>
         <p:txBody>
+          <a:bodyPr>
+            <a:normAutofit fontScale="70000" lnSpcReduction="20000"/>
+          </a:bodyPr>
+          <a:lstStyle/>
+          <a:p>
+            <a:pPr marL="0" indent="0">
+              <a:buNone/>
+            </a:pPr>
+            <a:r>
+              <a:rPr lang="en-US" sz="3200" dirty="0" smtClean="0">
+                <a:solidFill>
+                  <a:schemeClr val="accent2">
+                    <a:lumMod val="50000"/>
+                  </a:schemeClr>
+                </a:solidFill>
+              </a:rPr>
+              <a:t>Test Cases are divided into:</a:t>
+            </a:r>
+          </a:p>
+          <a:p>
+            <a:r>
+              <a:rPr lang="en-US" sz="3200" dirty="0" smtClean="0">
+                <a:solidFill>
+                  <a:schemeClr val="tx2">
+                    <a:lumMod val="75000"/>
+                  </a:schemeClr>
+                </a:solidFill>
+              </a:rPr>
+              <a:t>Use case</a:t>
+            </a:r>
+          </a:p>
+          <a:p>
+            <a:r>
+              <a:rPr lang="en-US" sz="3200" dirty="0" smtClean="0">
+                <a:solidFill>
+                  <a:schemeClr val="tx2">
+                    <a:lumMod val="75000"/>
+                  </a:schemeClr>
+                </a:solidFill>
+              </a:rPr>
+              <a:t>Intersystem</a:t>
+            </a:r>
+          </a:p>
+          <a:p>
+            <a:r>
+              <a:rPr lang="en-US" sz="3200" dirty="0" smtClean="0">
+                <a:solidFill>
+                  <a:schemeClr val="tx2">
+                    <a:lumMod val="75000"/>
+                  </a:schemeClr>
+                </a:solidFill>
+              </a:rPr>
+              <a:t>Security</a:t>
+            </a:r>
+          </a:p>
+          <a:p>
+            <a:r>
+              <a:rPr lang="en-US" sz="3200" dirty="0" smtClean="0">
+                <a:solidFill>
+                  <a:schemeClr val="tx2">
+                    <a:lumMod val="75000"/>
+                  </a:schemeClr>
+                </a:solidFill>
+              </a:rPr>
+              <a:t>State Transition</a:t>
+            </a:r>
+          </a:p>
+          <a:p>
+            <a:r>
+              <a:rPr lang="en-US" sz="3200" dirty="0" smtClean="0">
+                <a:solidFill>
+                  <a:schemeClr val="tx2">
+                    <a:lumMod val="75000"/>
+                  </a:schemeClr>
+                </a:solidFill>
+              </a:rPr>
+              <a:t>Functional</a:t>
+            </a:r>
+          </a:p>
+          <a:p>
+            <a:r>
+              <a:rPr lang="en-US" sz="3200" dirty="0" smtClean="0">
+                <a:solidFill>
+                  <a:schemeClr val="tx2">
+                    <a:lumMod val="75000"/>
+                  </a:schemeClr>
+                </a:solidFill>
+              </a:rPr>
+              <a:t>Cause and effect</a:t>
+            </a:r>
+            <a:endParaRPr lang="en-US" sz="3200" dirty="0" smtClean="0">
+              <a:solidFill>
+                <a:schemeClr val="tx2">
+                  <a:lumMod val="75000"/>
+                </a:schemeClr>
+              </a:solidFill>
+            </a:endParaRPr>
+          </a:p>
+          <a:p>
+            <a:pPr marL="0" indent="0" algn="ctr">
+              <a:buNone/>
+            </a:pPr>
+            <a:endParaRPr lang="en-US" sz="3200" dirty="0">
+              <a:solidFill>
+                <a:schemeClr val="accent3">
+                  <a:lumMod val="75000"/>
+                </a:schemeClr>
+              </a:solidFill>
+            </a:endParaRPr>
+          </a:p>
+          <a:p>
+            <a:pPr marL="0" indent="0" algn="ctr">
+              <a:buNone/>
+            </a:pPr>
+            <a:r>
+              <a:rPr lang="en-US" sz="3200" dirty="0" smtClean="0">
+                <a:solidFill>
+                  <a:schemeClr val="accent3">
+                    <a:lumMod val="75000"/>
+                  </a:schemeClr>
+                </a:solidFill>
+              </a:rPr>
+              <a:t>This </a:t>
+            </a:r>
+            <a:r>
+              <a:rPr lang="en-US" sz="3200" dirty="0" smtClean="0">
+                <a:solidFill>
+                  <a:schemeClr val="accent3">
+                    <a:lumMod val="75000"/>
+                  </a:schemeClr>
+                </a:solidFill>
+              </a:rPr>
+              <a:t>is the link for </a:t>
+            </a:r>
+            <a:r>
+              <a:rPr lang="en-US" sz="3200" dirty="0" smtClean="0">
+                <a:solidFill>
+                  <a:schemeClr val="accent3">
+                    <a:lumMod val="75000"/>
+                  </a:schemeClr>
+                </a:solidFill>
+              </a:rPr>
+              <a:t>viewing test </a:t>
+            </a:r>
+            <a:r>
+              <a:rPr lang="en-US" sz="3200" dirty="0" smtClean="0">
+                <a:solidFill>
+                  <a:schemeClr val="accent3">
+                    <a:lumMod val="75000"/>
+                  </a:schemeClr>
+                </a:solidFill>
+              </a:rPr>
+              <a:t>cases </a:t>
+            </a:r>
+            <a:r>
+              <a:rPr lang="en-US" sz="3200" dirty="0" smtClean="0">
+                <a:solidFill>
+                  <a:schemeClr val="tx1">
+                    <a:lumMod val="95000"/>
+                    <a:lumOff val="5000"/>
+                  </a:schemeClr>
+                </a:solidFill>
+              </a:rPr>
+              <a:t>:</a:t>
+            </a:r>
+          </a:p>
+          <a:p>
+            <a:pPr marL="0" indent="0" algn="ctr">
+              <a:buNone/>
+            </a:pPr>
+            <a:endParaRPr lang="en-US" sz="3200" dirty="0" smtClean="0">
+              <a:solidFill>
+                <a:schemeClr val="tx1">
+                  <a:lumMod val="95000"/>
+                  <a:lumOff val="5000"/>
+                </a:schemeClr>
+              </a:solidFill>
+            </a:endParaRPr>
+          </a:p>
+          <a:p>
+            <a:endParaRPr lang="en-US" dirty="0"/>
+          </a:p>
+          <a:p>
+            <a:pPr marL="0" indent="0">
+              <a:buNone/>
+            </a:pPr>
+            <a:endParaRPr lang="en-US" dirty="0" smtClean="0"/>
+          </a:p>
+          <a:p>
+            <a:pPr marL="0" indent="0">
+              <a:buNone/>
+            </a:pPr>
+            <a:endParaRPr lang="en-US" dirty="0" smtClean="0"/>
+          </a:p>
+          <a:p>
+            <a:pPr marL="0" indent="0">
+              <a:buNone/>
+            </a:pPr>
+            <a:r>
+              <a:rPr lang="en-US" dirty="0"/>
+              <a:t>	</a:t>
+            </a:r>
+          </a:p>
+        </p:txBody>
+      </p:sp>
+      <p:sp>
+        <p:nvSpPr>
+          <p:cNvPr id="4" name="Footer Placeholder 3"/>
+          <p:cNvSpPr>
+            <a:spLocks noGrp="1"/>
+          </p:cNvSpPr>
+          <p:nvPr>
+            <p:ph type="ftr" sz="quarter" idx="11"/>
+          </p:nvPr>
+        </p:nvSpPr>
+        <p:spPr/>
+        <p:txBody>
           <a:bodyPr/>
           <a:lstStyle/>
           <a:p>
             <a:r>
-              <a:rPr lang="en-US" dirty="0" smtClean="0"/>
-              <a:t>Traceability </a:t>
-            </a:r>
-            <a:r>
-              <a:rPr lang="en-US" dirty="0"/>
-              <a:t>Matrix</a:t>
-            </a:r>
-          </a:p>
-        </p:txBody>
-      </p:sp>
-      <p:sp>
-        <p:nvSpPr>
-          <p:cNvPr id="4" name="Footer Placeholder 3"/>
-          <p:cNvSpPr>
-            <a:spLocks noGrp="1"/>
-          </p:cNvSpPr>
-          <p:nvPr>
-            <p:ph type="ftr" sz="quarter" idx="11"/>
-          </p:nvPr>
-        </p:nvSpPr>
-        <p:spPr/>
-        <p:txBody>
-          <a:bodyPr/>
-          <a:lstStyle/>
-          <a:p>
-            <a:r>
-              <a:rPr lang="en-US">
+              <a:rPr lang="en-US" smtClean="0">
                 <a:solidFill>
                   <a:prstClr val="black"/>
                 </a:solidFill>
@@ -8492,35 +8663,23 @@
           </a:p>
         </p:txBody>
       </p:sp>
-      <p:sp>
-        <p:nvSpPr>
-          <p:cNvPr id="3" name="Content Placeholder 2"/>
-          <p:cNvSpPr>
-            <a:spLocks noGrp="1"/>
-          </p:cNvSpPr>
-          <p:nvPr>
-            <p:ph idx="1"/>
-          </p:nvPr>
-        </p:nvSpPr>
-        <p:spPr/>
-        <p:txBody>
-          <a:bodyPr/>
-          <a:lstStyle/>
-          <a:p>
-            <a:endParaRPr lang="en-US" dirty="0"/>
-          </a:p>
-        </p:txBody>
-      </p:sp>
     </p:spTree>
     <p:extLst>
       <p:ext uri="{BB962C8B-B14F-4D97-AF65-F5344CB8AC3E}">
-        <p14:creationId xmlns:p14="http://schemas.microsoft.com/office/powerpoint/2010/main" val="2589655638"/>
+        <p14:creationId xmlns:p14="http://schemas.microsoft.com/office/powerpoint/2010/main" val="2902052941"/>
       </p:ext>
     </p:extLst>
   </p:cSld>
   <p:clrMapOvr>
     <a:masterClrMapping/>
   </p:clrMapOvr>
+  <p:timing>
+    <p:tnLst>
+      <p:par>
+        <p:cTn id="1" dur="indefinite" restart="never" nodeType="tmRoot"/>
+      </p:par>
+    </p:tnLst>
+  </p:timing>
 </p:sld>
 </file>
 
@@ -8543,6 +8702,325 @@
       </p:grpSpPr>
       <p:sp>
         <p:nvSpPr>
+          <p:cNvPr id="2" name="Title 1"/>
+          <p:cNvSpPr>
+            <a:spLocks noGrp="1"/>
+          </p:cNvSpPr>
+          <p:nvPr>
+            <p:ph type="title"/>
+          </p:nvPr>
+        </p:nvSpPr>
+        <p:spPr/>
+        <p:txBody>
+          <a:bodyPr/>
+          <a:lstStyle/>
+          <a:p>
+            <a:pPr algn="ctr"/>
+            <a:r>
+              <a:rPr lang="en-US" b="1" dirty="0">
+                <a:solidFill>
+                  <a:schemeClr val="accent4">
+                    <a:lumMod val="75000"/>
+                  </a:schemeClr>
+                </a:solidFill>
+                <a:latin typeface="Batang" pitchFamily="18" charset="-127"/>
+                <a:ea typeface="Batang" pitchFamily="18" charset="-127"/>
+              </a:rPr>
+              <a:t>Defects </a:t>
+            </a:r>
+            <a:r>
+              <a:rPr lang="en-US" b="1" dirty="0" smtClean="0">
+                <a:solidFill>
+                  <a:schemeClr val="accent4">
+                    <a:lumMod val="75000"/>
+                  </a:schemeClr>
+                </a:solidFill>
+                <a:latin typeface="Batang" pitchFamily="18" charset="-127"/>
+                <a:ea typeface="Batang" pitchFamily="18" charset="-127"/>
+              </a:rPr>
+              <a:t>Found:</a:t>
+            </a:r>
+            <a:endParaRPr lang="en-US" b="1" dirty="0">
+              <a:solidFill>
+                <a:schemeClr val="accent4">
+                  <a:lumMod val="75000"/>
+                </a:schemeClr>
+              </a:solidFill>
+              <a:latin typeface="Batang" pitchFamily="18" charset="-127"/>
+              <a:ea typeface="Batang" pitchFamily="18" charset="-127"/>
+            </a:endParaRPr>
+          </a:p>
+        </p:txBody>
+      </p:sp>
+      <p:sp>
+        <p:nvSpPr>
+          <p:cNvPr id="3" name="Content Placeholder 2"/>
+          <p:cNvSpPr>
+            <a:spLocks noGrp="1"/>
+          </p:cNvSpPr>
+          <p:nvPr>
+            <p:ph idx="1"/>
+          </p:nvPr>
+        </p:nvSpPr>
+        <p:spPr/>
+        <p:txBody>
+          <a:bodyPr>
+            <a:normAutofit/>
+          </a:bodyPr>
+          <a:lstStyle/>
+          <a:p>
+            <a:pPr marL="0" indent="0" algn="ctr">
+              <a:buNone/>
+            </a:pPr>
+            <a:r>
+              <a:rPr lang="en-US" sz="3200" dirty="0">
+                <a:solidFill>
+                  <a:schemeClr val="accent3">
+                    <a:lumMod val="75000"/>
+                  </a:schemeClr>
+                </a:solidFill>
+              </a:rPr>
+              <a:t>This is the link for viewing </a:t>
+            </a:r>
+            <a:r>
+              <a:rPr lang="en-US" sz="3200" dirty="0" smtClean="0">
+                <a:solidFill>
+                  <a:schemeClr val="accent3">
+                    <a:lumMod val="75000"/>
+                  </a:schemeClr>
+                </a:solidFill>
+              </a:rPr>
+              <a:t>the defect report</a:t>
+            </a:r>
+            <a:r>
+              <a:rPr lang="en-US" sz="3200" dirty="0" smtClean="0">
+                <a:solidFill>
+                  <a:schemeClr val="tx1">
+                    <a:lumMod val="95000"/>
+                    <a:lumOff val="5000"/>
+                  </a:schemeClr>
+                </a:solidFill>
+              </a:rPr>
+              <a:t>:</a:t>
+            </a:r>
+            <a:endParaRPr lang="en-US" sz="3200" dirty="0">
+              <a:solidFill>
+                <a:schemeClr val="tx1">
+                  <a:lumMod val="95000"/>
+                  <a:lumOff val="5000"/>
+                </a:schemeClr>
+              </a:solidFill>
+            </a:endParaRPr>
+          </a:p>
+          <a:p>
+            <a:pPr marL="0" indent="0" algn="ctr">
+              <a:buNone/>
+            </a:pPr>
+            <a:endParaRPr lang="en-US" sz="3200" dirty="0"/>
+          </a:p>
+        </p:txBody>
+      </p:sp>
+      <p:sp>
+        <p:nvSpPr>
+          <p:cNvPr id="4" name="Footer Placeholder 3"/>
+          <p:cNvSpPr>
+            <a:spLocks noGrp="1"/>
+          </p:cNvSpPr>
+          <p:nvPr>
+            <p:ph type="ftr" sz="quarter" idx="11"/>
+          </p:nvPr>
+        </p:nvSpPr>
+        <p:spPr/>
+        <p:txBody>
+          <a:bodyPr/>
+          <a:lstStyle/>
+          <a:p>
+            <a:r>
+              <a:rPr lang="en-US" smtClean="0">
+                <a:solidFill>
+                  <a:prstClr val="black"/>
+                </a:solidFill>
+              </a:rPr>
+              <a:t>IGATE Sensitive</a:t>
+            </a:r>
+            <a:endParaRPr lang="en-US" dirty="0">
+              <a:solidFill>
+                <a:prstClr val="black"/>
+              </a:solidFill>
+            </a:endParaRPr>
+          </a:p>
+        </p:txBody>
+      </p:sp>
+    </p:spTree>
+    <p:extLst>
+      <p:ext uri="{BB962C8B-B14F-4D97-AF65-F5344CB8AC3E}">
+        <p14:creationId xmlns:p14="http://schemas.microsoft.com/office/powerpoint/2010/main" val="249142325"/>
+      </p:ext>
+    </p:extLst>
+  </p:cSld>
+  <p:clrMapOvr>
+    <a:masterClrMapping/>
+  </p:clrMapOvr>
+  <p:timing>
+    <p:tnLst>
+      <p:par>
+        <p:cTn id="1" dur="indefinite" restart="never" nodeType="tmRoot"/>
+      </p:par>
+    </p:tnLst>
+  </p:timing>
+</p:sld>
+</file>
+
+<file path=ppt/slides/slide12.xml><?xml version="1.0" encoding="utf-8"?>
+<p:sld xmlns:a="http://schemas.openxmlformats.org/drawingml/2006/main" xmlns:r="http://schemas.openxmlformats.org/officeDocument/2006/relationships" xmlns:p="http://schemas.openxmlformats.org/presentationml/2006/main">
+  <p:cSld>
+    <p:spTree>
+      <p:nvGrpSpPr>
+        <p:cNvPr id="1" name=""/>
+        <p:cNvGrpSpPr/>
+        <p:nvPr/>
+      </p:nvGrpSpPr>
+      <p:grpSpPr>
+        <a:xfrm>
+          <a:off x="0" y="0"/>
+          <a:ext cx="0" cy="0"/>
+          <a:chOff x="0" y="0"/>
+          <a:chExt cx="0" cy="0"/>
+        </a:xfrm>
+      </p:grpSpPr>
+      <p:sp>
+        <p:nvSpPr>
+          <p:cNvPr id="2" name="Title 1"/>
+          <p:cNvSpPr>
+            <a:spLocks noGrp="1"/>
+          </p:cNvSpPr>
+          <p:nvPr>
+            <p:ph type="title"/>
+          </p:nvPr>
+        </p:nvSpPr>
+        <p:spPr/>
+        <p:txBody>
+          <a:bodyPr/>
+          <a:lstStyle/>
+          <a:p>
+            <a:pPr algn="ctr"/>
+            <a:r>
+              <a:rPr lang="en-US" b="1" dirty="0" smtClean="0">
+                <a:solidFill>
+                  <a:schemeClr val="accent5">
+                    <a:lumMod val="75000"/>
+                  </a:schemeClr>
+                </a:solidFill>
+                <a:latin typeface="Batang" pitchFamily="18" charset="-127"/>
+                <a:ea typeface="Batang" pitchFamily="18" charset="-127"/>
+              </a:rPr>
+              <a:t>CONCLUSION</a:t>
+            </a:r>
+            <a:endParaRPr lang="en-US" b="1" dirty="0">
+              <a:solidFill>
+                <a:schemeClr val="accent5">
+                  <a:lumMod val="75000"/>
+                </a:schemeClr>
+              </a:solidFill>
+              <a:latin typeface="Batang" pitchFamily="18" charset="-127"/>
+              <a:ea typeface="Batang" pitchFamily="18" charset="-127"/>
+            </a:endParaRPr>
+          </a:p>
+        </p:txBody>
+      </p:sp>
+      <p:sp>
+        <p:nvSpPr>
+          <p:cNvPr id="3" name="Content Placeholder 2"/>
+          <p:cNvSpPr>
+            <a:spLocks noGrp="1"/>
+          </p:cNvSpPr>
+          <p:nvPr>
+            <p:ph idx="1"/>
+          </p:nvPr>
+        </p:nvSpPr>
+        <p:spPr/>
+        <p:txBody>
+          <a:bodyPr/>
+          <a:lstStyle/>
+          <a:p>
+            <a:r>
+              <a:rPr lang="en-US" dirty="0" smtClean="0"/>
+              <a:t>Found moderate number of defects which can solved in 7-8 days.</a:t>
+            </a:r>
+            <a:endParaRPr lang="en-US" dirty="0"/>
+          </a:p>
+        </p:txBody>
+      </p:sp>
+      <p:sp>
+        <p:nvSpPr>
+          <p:cNvPr id="4" name="Footer Placeholder 3"/>
+          <p:cNvSpPr>
+            <a:spLocks noGrp="1"/>
+          </p:cNvSpPr>
+          <p:nvPr>
+            <p:ph type="ftr" sz="quarter" idx="11"/>
+          </p:nvPr>
+        </p:nvSpPr>
+        <p:spPr/>
+        <p:txBody>
+          <a:bodyPr/>
+          <a:lstStyle/>
+          <a:p>
+            <a:r>
+              <a:rPr lang="en-US" smtClean="0">
+                <a:solidFill>
+                  <a:prstClr val="black"/>
+                </a:solidFill>
+              </a:rPr>
+              <a:t>IGATE Sensitive</a:t>
+            </a:r>
+            <a:endParaRPr lang="en-US" dirty="0">
+              <a:solidFill>
+                <a:prstClr val="black"/>
+              </a:solidFill>
+            </a:endParaRPr>
+          </a:p>
+        </p:txBody>
+      </p:sp>
+    </p:spTree>
+    <p:extLst>
+      <p:ext uri="{BB962C8B-B14F-4D97-AF65-F5344CB8AC3E}">
+        <p14:creationId xmlns:p14="http://schemas.microsoft.com/office/powerpoint/2010/main" val="1472064482"/>
+      </p:ext>
+    </p:extLst>
+  </p:cSld>
+  <p:clrMapOvr>
+    <a:masterClrMapping/>
+  </p:clrMapOvr>
+  <p:timing>
+    <p:tnLst>
+      <p:par>
+        <p:cTn id="1" dur="indefinite" restart="never" nodeType="tmRoot"/>
+      </p:par>
+    </p:tnLst>
+  </p:timing>
+</p:sld>
+</file>
+
+<file path=ppt/slides/slide13.xml><?xml version="1.0" encoding="utf-8"?>
+<p:sld xmlns:a="http://schemas.openxmlformats.org/drawingml/2006/main" xmlns:r="http://schemas.openxmlformats.org/officeDocument/2006/relationships" xmlns:p="http://schemas.openxmlformats.org/presentationml/2006/main">
+  <p:cSld>
+    <p:spTree>
+      <p:nvGrpSpPr>
+        <p:cNvPr id="1" name=""/>
+        <p:cNvGrpSpPr/>
+        <p:nvPr/>
+      </p:nvGrpSpPr>
+      <p:grpSpPr>
+        <a:xfrm>
+          <a:off x="0" y="0"/>
+          <a:ext cx="0" cy="0"/>
+          <a:chOff x="0" y="0"/>
+          <a:chExt cx="0" cy="0"/>
+        </a:xfrm>
+      </p:grpSpPr>
+      <p:sp>
+        <p:nvSpPr>
           <p:cNvPr id="3" name="Slide Number Placeholder 2"/>
           <p:cNvSpPr>
             <a:spLocks noGrp="1"/>
@@ -8558,7 +9036,7 @@
           <a:p>
             <a:fld id="{98228B8A-B7F7-4AE1-9522-DFDE1528AC71}" type="slidenum">
               <a:rPr lang="en-US" smtClean="0"/>
-              <a:t>11</a:t>
+              <a:t>13</a:t>
             </a:fld>
             <a:endParaRPr lang="en-US" dirty="0"/>
           </a:p>
@@ -8572,8 +9050,8 @@
         </p:nvSpPr>
         <p:spPr>
           <a:xfrm>
-            <a:off x="2997535" y="2967335"/>
-            <a:ext cx="3148939" cy="923330"/>
+            <a:off x="1571023" y="2967335"/>
+            <a:ext cx="6001964" cy="1569660"/>
           </a:xfrm>
           <a:prstGeom prst="rect">
             <a:avLst/>
@@ -8588,7 +9066,7 @@
           <a:p>
             <a:pPr algn="ctr"/>
             <a:r>
-              <a:rPr lang="en-US" sz="5400" b="1" cap="none" spc="0" dirty="0">
+              <a:rPr lang="en-US" sz="9600" b="1" cap="none" spc="0" dirty="0">
                 <a:ln w="9525">
                   <a:solidFill>
                     <a:schemeClr val="bg1"/>
@@ -8596,7 +9074,9 @@
                   <a:prstDash val="solid"/>
                 </a:ln>
                 <a:solidFill>
-                  <a:schemeClr val="tx1"/>
+                  <a:schemeClr val="accent2">
+                    <a:lumMod val="50000"/>
+                  </a:schemeClr>
                 </a:solidFill>
                 <a:effectLst>
                   <a:outerShdw blurRad="12700" dist="38100" dir="2700000" algn="tl" rotWithShape="0">
@@ -8605,6 +9085,7 @@
                     </a:schemeClr>
                   </a:outerShdw>
                 </a:effectLst>
+                <a:latin typeface="Bradley Hand ITC" pitchFamily="66" charset="0"/>
               </a:rPr>
               <a:t>Thank You</a:t>
             </a:r>
@@ -8652,6 +9133,13 @@
   <p:clrMapOvr>
     <a:masterClrMapping/>
   </p:clrMapOvr>
+  <p:timing>
+    <p:tnLst>
+      <p:par>
+        <p:cTn id="1" dur="indefinite" restart="never" nodeType="tmRoot"/>
+      </p:par>
+    </p:tnLst>
+  </p:timing>
 </p:sld>
 </file>
 
@@ -8691,13 +9179,25 @@
           <a:p>
             <a:pPr algn="ctr"/>
             <a:r>
-              <a:rPr lang="en-US" sz="3600" b="1" dirty="0">
-                <a:latin typeface="Baskerville Old Face" panose="02020602080505020303" pitchFamily="18" charset="0"/>
+              <a:rPr lang="en-US" b="1" dirty="0">
+                <a:solidFill>
+                  <a:schemeClr val="accent4">
+                    <a:lumMod val="75000"/>
+                  </a:schemeClr>
+                </a:solidFill>
+                <a:latin typeface="Batang" pitchFamily="18" charset="-127"/>
+                <a:ea typeface="Batang" pitchFamily="18" charset="-127"/>
               </a:rPr>
               <a:t>TEAM MEMBERS</a:t>
             </a:r>
-            <a:endParaRPr lang="en-IN" sz="3600" b="1" dirty="0">
-              <a:latin typeface="Baskerville Old Face" panose="02020602080505020303" pitchFamily="18" charset="0"/>
+            <a:endParaRPr lang="en-IN" b="1" dirty="0">
+              <a:solidFill>
+                <a:schemeClr val="accent4">
+                  <a:lumMod val="75000"/>
+                </a:schemeClr>
+              </a:solidFill>
+              <a:latin typeface="Batang" pitchFamily="18" charset="-127"/>
+              <a:ea typeface="Batang" pitchFamily="18" charset="-127"/>
             </a:endParaRPr>
           </a:p>
         </p:txBody>
@@ -8725,14 +9225,16 @@
               <a:buChar char="o"/>
             </a:pPr>
             <a:r>
-              <a:rPr lang="en-IN" dirty="0" smtClean="0"/>
-              <a:t>Bilwa </a:t>
-            </a:r>
-            <a:r>
-              <a:rPr lang="en-IN" dirty="0" err="1" smtClean="0"/>
-              <a:t>Pelapkar</a:t>
-            </a:r>
-            <a:endParaRPr lang="en-IN" dirty="0" smtClean="0"/>
+              <a:rPr lang="en-IN" dirty="0" smtClean="0">
+                <a:solidFill>
+                  <a:schemeClr val="tx1">
+                    <a:lumMod val="95000"/>
+                    <a:lumOff val="5000"/>
+                  </a:schemeClr>
+                </a:solidFill>
+              </a:rPr>
+              <a:t>Bilwa Pelapkar</a:t>
+            </a:r>
           </a:p>
           <a:p>
             <a:pPr>
@@ -8743,18 +9245,16 @@
               <a:buChar char="o"/>
             </a:pPr>
             <a:r>
-              <a:rPr lang="en-IN" dirty="0" err="1" smtClean="0"/>
-              <a:t>Bineet</a:t>
-            </a:r>
-            <a:r>
-              <a:rPr lang="en-IN" dirty="0" smtClean="0"/>
-              <a:t> </a:t>
-            </a:r>
-            <a:r>
-              <a:rPr lang="en-IN" dirty="0" err="1" smtClean="0"/>
-              <a:t>Jaiswal</a:t>
-            </a:r>
-            <a:endParaRPr lang="en-IN" dirty="0" smtClean="0"/>
+              <a:rPr lang="en-IN" dirty="0" smtClean="0">
+                <a:solidFill>
+                  <a:schemeClr val="tx1">
+                    <a:lumMod val="95000"/>
+                    <a:lumOff val="5000"/>
+                  </a:schemeClr>
+                </a:solidFill>
+              </a:rPr>
+              <a:t>Bineet Jaiswal</a:t>
+            </a:r>
           </a:p>
           <a:p>
             <a:pPr>
@@ -8765,7 +9265,14 @@
               <a:buChar char="o"/>
             </a:pPr>
             <a:r>
-              <a:rPr lang="en-IN" dirty="0" smtClean="0"/>
+              <a:rPr lang="en-IN" dirty="0" smtClean="0">
+                <a:solidFill>
+                  <a:schemeClr val="tx1">
+                    <a:lumMod val="95000"/>
+                    <a:lumOff val="5000"/>
+                  </a:schemeClr>
+                </a:solidFill>
+              </a:rPr>
               <a:t>Chinmayee Khadapkar</a:t>
             </a:r>
           </a:p>
@@ -8778,18 +9285,16 @@
               <a:buChar char="o"/>
             </a:pPr>
             <a:r>
-              <a:rPr lang="en-IN" dirty="0" err="1" smtClean="0"/>
-              <a:t>Kavita</a:t>
-            </a:r>
-            <a:r>
-              <a:rPr lang="en-IN" dirty="0" smtClean="0"/>
-              <a:t> </a:t>
-            </a:r>
-            <a:r>
-              <a:rPr lang="en-IN" dirty="0" err="1" smtClean="0"/>
-              <a:t>Maurya</a:t>
-            </a:r>
-            <a:endParaRPr lang="en-IN" dirty="0" smtClean="0"/>
+              <a:rPr lang="en-IN" dirty="0" smtClean="0">
+                <a:solidFill>
+                  <a:schemeClr val="tx1">
+                    <a:lumMod val="95000"/>
+                    <a:lumOff val="5000"/>
+                  </a:schemeClr>
+                </a:solidFill>
+              </a:rPr>
+              <a:t>Kavita Maurya</a:t>
+            </a:r>
           </a:p>
           <a:p>
             <a:pPr>
@@ -8800,18 +9305,16 @@
               <a:buChar char="o"/>
             </a:pPr>
             <a:r>
-              <a:rPr lang="en-IN" dirty="0" err="1" smtClean="0"/>
-              <a:t>Rajib</a:t>
-            </a:r>
-            <a:r>
-              <a:rPr lang="en-IN" dirty="0" smtClean="0"/>
-              <a:t> </a:t>
-            </a:r>
-            <a:r>
-              <a:rPr lang="en-IN" dirty="0" err="1" smtClean="0"/>
-              <a:t>Ghosh</a:t>
-            </a:r>
-            <a:endParaRPr lang="en-IN" dirty="0" smtClean="0"/>
+              <a:rPr lang="en-IN" dirty="0" smtClean="0">
+                <a:solidFill>
+                  <a:schemeClr val="tx1">
+                    <a:lumMod val="95000"/>
+                    <a:lumOff val="5000"/>
+                  </a:schemeClr>
+                </a:solidFill>
+              </a:rPr>
+              <a:t>Rajib Ghosh</a:t>
+            </a:r>
           </a:p>
         </p:txBody>
       </p:sp>
@@ -8891,8 +9394,17 @@
           <a:bodyPr/>
           <a:lstStyle/>
           <a:p>
-            <a:r>
-              <a:rPr lang="en-US" b="1" dirty="0"/>
+            <a:pPr algn="ctr"/>
+            <a:r>
+              <a:rPr lang="en-US" b="1" dirty="0">
+                <a:solidFill>
+                  <a:schemeClr val="accent4">
+                    <a:lumMod val="75000"/>
+                  </a:schemeClr>
+                </a:solidFill>
+                <a:latin typeface="Batang" pitchFamily="18" charset="-127"/>
+                <a:ea typeface="Batang" pitchFamily="18" charset="-127"/>
+              </a:rPr>
               <a:t>OVERVIEW OF THE PROJECT</a:t>
             </a:r>
           </a:p>
@@ -8984,6 +9496,42 @@
               </a:lnSpc>
               <a:buNone/>
             </a:pPr>
+            <a:endParaRPr lang="en-US" sz="2000" dirty="0" smtClean="0">
+              <a:solidFill>
+                <a:schemeClr val="tx1">
+                  <a:lumMod val="95000"/>
+                  <a:lumOff val="5000"/>
+                </a:schemeClr>
+              </a:solidFill>
+            </a:endParaRPr>
+          </a:p>
+          <a:p>
+            <a:pPr marL="0" indent="0" algn="ctr">
+              <a:lnSpc>
+                <a:spcPct val="150000"/>
+              </a:lnSpc>
+              <a:buNone/>
+            </a:pPr>
+            <a:r>
+              <a:rPr lang="en-US" sz="3200" dirty="0" smtClean="0">
+                <a:solidFill>
+                  <a:schemeClr val="accent3">
+                    <a:lumMod val="75000"/>
+                  </a:schemeClr>
+                </a:solidFill>
+              </a:rPr>
+              <a:t>The </a:t>
+            </a:r>
+            <a:r>
+              <a:rPr lang="en-US" sz="3200" dirty="0" smtClean="0">
+                <a:solidFill>
+                  <a:schemeClr val="accent3">
+                    <a:lumMod val="75000"/>
+                  </a:schemeClr>
+                </a:solidFill>
+              </a:rPr>
+              <a:t>Application link is</a:t>
+            </a:r>
             <a:r>
               <a:rPr lang="en-US" sz="2000" dirty="0" smtClean="0">
                 <a:solidFill>
@@ -8993,7 +9541,7 @@
                   </a:schemeClr>
                 </a:solidFill>
               </a:rPr>
-              <a:t>The Application link is:  </a:t>
+              <a:t>:  </a:t>
             </a:r>
             <a:r>
               <a:rPr lang="en-US" sz="2000" dirty="0" smtClean="0">
@@ -9108,59 +9656,52 @@
         </p:nvSpPr>
         <p:spPr/>
         <p:txBody>
-          <a:bodyPr>
-            <a:normAutofit/>
-          </a:bodyPr>
+          <a:bodyPr/>
           <a:lstStyle/>
           <a:p>
             <a:pPr algn="ctr"/>
             <a:r>
-              <a:rPr lang="en-US" b="1" dirty="0" smtClean="0"/>
-              <a:t>USE CASE</a:t>
-            </a:r>
-            <a:endParaRPr lang="en-US" dirty="0"/>
-          </a:p>
-        </p:txBody>
-      </p:sp>
-      <p:sp>
-        <p:nvSpPr>
-          <p:cNvPr id="3" name="Content Placeholder 2"/>
-          <p:cNvSpPr>
-            <a:spLocks noGrp="1"/>
-          </p:cNvSpPr>
-          <p:nvPr>
-            <p:ph idx="1"/>
-          </p:nvPr>
-        </p:nvSpPr>
-        <p:spPr/>
+              <a:rPr lang="en-US" b="1" dirty="0" smtClean="0">
+                <a:solidFill>
+                  <a:schemeClr val="accent5">
+                    <a:lumMod val="75000"/>
+                  </a:schemeClr>
+                </a:solidFill>
+              </a:rPr>
+              <a:t>LOGIN PAGE</a:t>
+            </a:r>
+            <a:endParaRPr lang="en-US" b="1" dirty="0">
+              <a:solidFill>
+                <a:schemeClr val="accent5">
+                  <a:lumMod val="75000"/>
+                </a:schemeClr>
+              </a:solidFill>
+            </a:endParaRPr>
+          </a:p>
+        </p:txBody>
+      </p:sp>
+      <p:sp>
+        <p:nvSpPr>
+          <p:cNvPr id="4" name="Footer Placeholder 3"/>
+          <p:cNvSpPr>
+            <a:spLocks noGrp="1"/>
+          </p:cNvSpPr>
+          <p:nvPr>
+            <p:ph type="ftr" sz="quarter" idx="11"/>
+          </p:nvPr>
+        </p:nvSpPr>
+        <p:spPr>
+          <a:xfrm>
+            <a:off x="3125980" y="6400800"/>
+            <a:ext cx="2895600" cy="365125"/>
+          </a:xfrm>
+        </p:spPr>
         <p:txBody>
           <a:bodyPr/>
           <a:lstStyle/>
           <a:p>
-            <a:endParaRPr lang="en-US" dirty="0" smtClean="0"/>
-          </a:p>
-          <a:p>
-            <a:endParaRPr lang="en-US" dirty="0"/>
-          </a:p>
-        </p:txBody>
-      </p:sp>
-      <p:sp>
-        <p:nvSpPr>
-          <p:cNvPr id="4" name="Footer Placeholder 3"/>
-          <p:cNvSpPr>
-            <a:spLocks noGrp="1"/>
-          </p:cNvSpPr>
-          <p:nvPr>
-            <p:ph type="ftr" sz="quarter" idx="11"/>
-          </p:nvPr>
-        </p:nvSpPr>
-        <p:spPr/>
-        <p:txBody>
-          <a:bodyPr/>
-          <a:lstStyle/>
-          <a:p>
-            <a:r>
-              <a:rPr lang="en-US" smtClean="0">
+            <a:r>
+              <a:rPr lang="en-US" dirty="0" smtClean="0">
                 <a:solidFill>
                   <a:prstClr val="black"/>
                 </a:solidFill>
@@ -9177,12 +9718,82 @@
       </p:sp>
       <p:pic>
         <p:nvPicPr>
-          <p:cNvPr id="5" name="Picture 4"/>
-          <p:cNvPicPr/>
+          <p:cNvPr id="2050" name="Picture 2"/>
+          <p:cNvPicPr>
+            <a:picLocks noChangeAspect="1" noChangeArrowheads="1"/>
+          </p:cNvPicPr>
+          <p:nvPr/>
+        </p:nvPicPr>
+        <p:blipFill rotWithShape="1">
+          <a:blip r:embed="rId2" cstate="print">
+            <a:extLst>
+              <a:ext uri="{28A0092B-C50C-407E-A947-70E740481C1C}">
+                <a14:useLocalDpi xmlns:a14="http://schemas.microsoft.com/office/drawing/2010/main" val="0"/>
+              </a:ext>
+            </a:extLst>
+          </a:blip>
+          <a:srcRect l="18296" r="48870" b="3598"/>
+          <a:stretch/>
+        </p:blipFill>
+        <p:spPr bwMode="auto">
+          <a:xfrm>
+            <a:off x="304800" y="1447800"/>
+            <a:ext cx="2895600" cy="4343778"/>
+          </a:xfrm>
+          <a:prstGeom prst="rect">
+            <a:avLst/>
+          </a:prstGeom>
+          <a:noFill/>
+          <a:ln>
+            <a:noFill/>
+          </a:ln>
+          <a:effectLst/>
+          <a:extLst>
+            <a:ext uri="{909E8E84-426E-40DD-AFC4-6F175D3DCCD1}">
+              <a14:hiddenFill xmlns:a14="http://schemas.microsoft.com/office/drawing/2010/main">
+                <a:solidFill>
+                  <a:schemeClr val="accent1"/>
+                </a:solidFill>
+              </a14:hiddenFill>
+            </a:ext>
+            <a:ext uri="{91240B29-F687-4F45-9708-019B960494DF}">
+              <a14:hiddenLine xmlns:a14="http://schemas.microsoft.com/office/drawing/2010/main" w="9525">
+                <a:solidFill>
+                  <a:schemeClr val="tx1"/>
+                </a:solidFill>
+                <a:miter lim="800000"/>
+                <a:headEnd/>
+                <a:tailEnd/>
+              </a14:hiddenLine>
+            </a:ext>
+            <a:ext uri="{AF507438-7753-43E0-B8FC-AC1667EBCBE1}">
+              <a14:hiddenEffects xmlns:a14="http://schemas.microsoft.com/office/drawing/2010/main">
+                <a:effectLst>
+                  <a:outerShdw dist="35921" dir="2700000" algn="ctr" rotWithShape="0">
+                    <a:schemeClr val="bg2"/>
+                  </a:outerShdw>
+                </a:effectLst>
+              </a14:hiddenEffects>
+            </a:ext>
+          </a:extLst>
+        </p:spPr>
+      </p:pic>
+      <p:pic>
+        <p:nvPicPr>
+          <p:cNvPr id="6" name="Picture 2"/>
+          <p:cNvPicPr>
+            <a:picLocks noChangeAspect="1" noChangeArrowheads="1"/>
+          </p:cNvPicPr>
           <p:nvPr/>
         </p:nvPicPr>
         <p:blipFill>
-          <a:blip r:embed="rId2"/>
+          <a:blip r:embed="rId3" cstate="print">
+            <a:extLst>
+              <a:ext uri="{28A0092B-C50C-407E-A947-70E740481C1C}">
+                <a14:useLocalDpi xmlns:a14="http://schemas.microsoft.com/office/drawing/2010/main" val="0"/>
+              </a:ext>
+            </a:extLst>
+          </a:blip>
           <a:srcRect/>
           <a:stretch>
             <a:fillRect/>
@@ -9190,25 +9801,111 @@
         </p:blipFill>
         <p:spPr bwMode="auto">
           <a:xfrm>
-            <a:off x="1676400" y="1600200"/>
-            <a:ext cx="5791200" cy="4297045"/>
+            <a:off x="3491154" y="1447800"/>
+            <a:ext cx="5562600" cy="4343778"/>
           </a:xfrm>
           <a:prstGeom prst="rect">
             <a:avLst/>
           </a:prstGeom>
           <a:noFill/>
-          <a:ln w="9525">
+          <a:ln>
             <a:noFill/>
-            <a:miter lim="800000"/>
-            <a:headEnd/>
-            <a:tailEnd/>
           </a:ln>
+          <a:effectLst/>
+          <a:extLst>
+            <a:ext uri="{909E8E84-426E-40DD-AFC4-6F175D3DCCD1}">
+              <a14:hiddenFill xmlns:a14="http://schemas.microsoft.com/office/drawing/2010/main">
+                <a:solidFill>
+                  <a:schemeClr val="accent1"/>
+                </a:solidFill>
+              </a14:hiddenFill>
+            </a:ext>
+            <a:ext uri="{91240B29-F687-4F45-9708-019B960494DF}">
+              <a14:hiddenLine xmlns:a14="http://schemas.microsoft.com/office/drawing/2010/main" w="9525">
+                <a:solidFill>
+                  <a:schemeClr val="tx1"/>
+                </a:solidFill>
+                <a:miter lim="800000"/>
+                <a:headEnd/>
+                <a:tailEnd/>
+              </a14:hiddenLine>
+            </a:ext>
+            <a:ext uri="{AF507438-7753-43E0-B8FC-AC1667EBCBE1}">
+              <a14:hiddenEffects xmlns:a14="http://schemas.microsoft.com/office/drawing/2010/main">
+                <a:effectLst>
+                  <a:outerShdw dist="35921" dir="2700000" algn="ctr" rotWithShape="0">
+                    <a:schemeClr val="bg2"/>
+                  </a:outerShdw>
+                </a:effectLst>
+              </a14:hiddenEffects>
+            </a:ext>
+          </a:extLst>
         </p:spPr>
       </p:pic>
+      <p:sp>
+        <p:nvSpPr>
+          <p:cNvPr id="5" name="TextBox 4"/>
+          <p:cNvSpPr txBox="1"/>
+          <p:nvPr/>
+        </p:nvSpPr>
+        <p:spPr>
+          <a:xfrm>
+            <a:off x="381000" y="5867400"/>
+            <a:ext cx="2538100" cy="646331"/>
+          </a:xfrm>
+          <a:prstGeom prst="rect">
+            <a:avLst/>
+          </a:prstGeom>
+          <a:noFill/>
+        </p:spPr>
+        <p:txBody>
+          <a:bodyPr wrap="square" rtlCol="0">
+            <a:spAutoFit/>
+          </a:bodyPr>
+          <a:lstStyle/>
+          <a:p>
+            <a:r>
+              <a:rPr lang="en-US" dirty="0" smtClean="0"/>
+              <a:t>User Registers through email and fills the details</a:t>
+            </a:r>
+            <a:endParaRPr lang="en-US" dirty="0"/>
+          </a:p>
+        </p:txBody>
+      </p:sp>
+      <p:sp>
+        <p:nvSpPr>
+          <p:cNvPr id="8" name="TextBox 7"/>
+          <p:cNvSpPr txBox="1"/>
+          <p:nvPr/>
+        </p:nvSpPr>
+        <p:spPr>
+          <a:xfrm>
+            <a:off x="3491154" y="5995559"/>
+            <a:ext cx="5257800" cy="369332"/>
+          </a:xfrm>
+          <a:prstGeom prst="rect">
+            <a:avLst/>
+          </a:prstGeom>
+          <a:noFill/>
+        </p:spPr>
+        <p:txBody>
+          <a:bodyPr wrap="square" rtlCol="0">
+            <a:spAutoFit/>
+          </a:bodyPr>
+          <a:lstStyle/>
+          <a:p>
+            <a:r>
+              <a:rPr lang="en-US" dirty="0" smtClean="0"/>
+              <a:t>	My Account page after login</a:t>
+            </a:r>
+            <a:endParaRPr lang="en-US" dirty="0"/>
+          </a:p>
+        </p:txBody>
+      </p:sp>
     </p:spTree>
     <p:extLst>
       <p:ext uri="{BB962C8B-B14F-4D97-AF65-F5344CB8AC3E}">
-        <p14:creationId xmlns:p14="http://schemas.microsoft.com/office/powerpoint/2010/main" val="243216087"/>
+        <p14:creationId xmlns:p14="http://schemas.microsoft.com/office/powerpoint/2010/main" val="3892122354"/>
       </p:ext>
     </p:extLst>
   </p:cSld>
@@ -9247,60 +9944,29 @@
         </p:nvSpPr>
         <p:spPr/>
         <p:txBody>
-          <a:bodyPr>
-            <a:normAutofit fontScale="90000"/>
-          </a:bodyPr>
-          <a:lstStyle/>
-          <a:p>
-            <a:r>
-              <a:rPr lang="en-US" dirty="0">
-                <a:latin typeface="Baskerville Old Face" pitchFamily="18" charset="0"/>
-              </a:rPr>
-              <a:t>TEST CASES</a:t>
-            </a:r>
-            <a:br>
-              <a:rPr lang="en-US" dirty="0">
-                <a:latin typeface="Baskerville Old Face" pitchFamily="18" charset="0"/>
-              </a:rPr>
-            </a:br>
+          <a:bodyPr/>
+          <a:lstStyle/>
+          <a:p>
+            <a:endParaRPr lang="en-US"/>
+          </a:p>
+        </p:txBody>
+      </p:sp>
+      <p:sp>
+        <p:nvSpPr>
+          <p:cNvPr id="3" name="Content Placeholder 2"/>
+          <p:cNvSpPr>
+            <a:spLocks noGrp="1"/>
+          </p:cNvSpPr>
+          <p:nvPr>
+            <p:ph idx="1"/>
+          </p:nvPr>
+        </p:nvSpPr>
+        <p:spPr/>
+        <p:txBody>
+          <a:bodyPr/>
+          <a:lstStyle/>
+          <a:p>
             <a:endParaRPr lang="en-US" dirty="0"/>
-          </a:p>
-        </p:txBody>
-      </p:sp>
-      <p:sp>
-        <p:nvSpPr>
-          <p:cNvPr id="3" name="Content Placeholder 2"/>
-          <p:cNvSpPr>
-            <a:spLocks noGrp="1"/>
-          </p:cNvSpPr>
-          <p:nvPr>
-            <p:ph idx="1"/>
-          </p:nvPr>
-        </p:nvSpPr>
-        <p:spPr/>
-        <p:txBody>
-          <a:bodyPr/>
-          <a:lstStyle/>
-          <a:p>
-            <a:r>
-              <a:rPr lang="en-US" dirty="0" smtClean="0"/>
-              <a:t>This is the link for test cases :</a:t>
-            </a:r>
-          </a:p>
-          <a:p>
-            <a:pPr marL="0" indent="0">
-              <a:buNone/>
-            </a:pPr>
-            <a:endParaRPr lang="en-US" dirty="0" smtClean="0"/>
-          </a:p>
-          <a:p>
-            <a:pPr marL="0" indent="0">
-              <a:buNone/>
-            </a:pPr>
-            <a:r>
-              <a:rPr lang="en-US" dirty="0"/>
-              <a:t>	</a:t>
-            </a:r>
           </a:p>
         </p:txBody>
       </p:sp>
@@ -9338,7 +10004,7 @@
     </p:spTree>
     <p:extLst>
       <p:ext uri="{BB962C8B-B14F-4D97-AF65-F5344CB8AC3E}">
-        <p14:creationId xmlns:p14="http://schemas.microsoft.com/office/powerpoint/2010/main" val="2902052941"/>
+        <p14:creationId xmlns:p14="http://schemas.microsoft.com/office/powerpoint/2010/main" val="2216116912"/>
       </p:ext>
     </p:extLst>
   </p:cSld>
@@ -9380,21 +10046,18 @@
           <a:bodyPr/>
           <a:lstStyle/>
           <a:p>
-            <a:r>
-              <a:rPr lang="en-US" dirty="0"/>
-              <a:t>DFDR</a:t>
-            </a:r>
-          </a:p>
-        </p:txBody>
-      </p:sp>
-      <p:sp>
-        <p:nvSpPr>
-          <p:cNvPr id="6" name="Slide Number Placeholder 5"/>
-          <p:cNvSpPr>
-            <a:spLocks noGrp="1"/>
-          </p:cNvSpPr>
-          <p:nvPr>
-            <p:ph type="sldNum" sz="quarter" idx="12"/>
+            <a:endParaRPr lang="en-US"/>
+          </a:p>
+        </p:txBody>
+      </p:sp>
+      <p:sp>
+        <p:nvSpPr>
+          <p:cNvPr id="4" name="Footer Placeholder 3"/>
+          <p:cNvSpPr>
+            <a:spLocks noGrp="1"/>
+          </p:cNvSpPr>
+          <p:nvPr>
+            <p:ph type="ftr" sz="quarter" idx="11"/>
           </p:nvPr>
         </p:nvSpPr>
         <p:spPr/>
@@ -9402,55 +10065,32 @@
           <a:bodyPr/>
           <a:lstStyle/>
           <a:p>
-            <a:fld id="{98228B8A-B7F7-4AE1-9522-DFDE1528AC71}" type="slidenum">
-              <a:rPr lang="en-US" smtClean="0"/>
-              <a:t>6</a:t>
-            </a:fld>
-            <a:endParaRPr lang="en-US" dirty="0"/>
-          </a:p>
-        </p:txBody>
-      </p:sp>
-      <p:sp>
-        <p:nvSpPr>
-          <p:cNvPr id="7" name="Footer Placeholder 1"/>
-          <p:cNvSpPr>
-            <a:spLocks noGrp="1"/>
-          </p:cNvSpPr>
-          <p:nvPr>
-            <p:ph type="ftr" sz="quarter" idx="11"/>
-          </p:nvPr>
-        </p:nvSpPr>
-        <p:spPr>
-          <a:xfrm>
-            <a:off x="2971800" y="6123426"/>
-            <a:ext cx="2895600" cy="365125"/>
-          </a:xfrm>
-        </p:spPr>
-        <p:txBody>
-          <a:bodyPr/>
-          <a:lstStyle/>
-          <a:p>
-            <a:r>
-              <a:rPr lang="en-US" dirty="0">
+            <a:r>
+              <a:rPr lang="en-US" smtClean="0">
                 <a:solidFill>
                   <a:prstClr val="black"/>
                 </a:solidFill>
               </a:rPr>
-              <a:t>Capgemini Public</a:t>
-            </a:r>
+              <a:t>IGATE Sensitive</a:t>
+            </a:r>
+            <a:endParaRPr lang="en-US" dirty="0">
+              <a:solidFill>
+                <a:prstClr val="black"/>
+              </a:solidFill>
+            </a:endParaRPr>
           </a:p>
         </p:txBody>
       </p:sp>
       <p:pic>
         <p:nvPicPr>
-          <p:cNvPr id="1026" name="Picture 2"/>
+          <p:cNvPr id="3074" name="Picture 2"/>
           <p:cNvPicPr>
             <a:picLocks noChangeAspect="1" noChangeArrowheads="1"/>
           </p:cNvPicPr>
           <p:nvPr/>
         </p:nvPicPr>
         <p:blipFill>
-          <a:blip r:embed="rId3" cstate="print">
+          <a:blip r:embed="rId2">
             <a:extLst>
               <a:ext uri="{28A0092B-C50C-407E-A947-70E740481C1C}">
                 <a14:useLocalDpi xmlns:a14="http://schemas.microsoft.com/office/drawing/2010/main" val="0"/>
@@ -9464,8 +10104,8 @@
         </p:blipFill>
         <p:spPr bwMode="auto">
           <a:xfrm>
-            <a:off x="990600" y="1692779"/>
-            <a:ext cx="5029200" cy="2828925"/>
+            <a:off x="533400" y="1371600"/>
+            <a:ext cx="8026400" cy="4514850"/>
           </a:xfrm>
           <a:prstGeom prst="rect">
             <a:avLst/>
@@ -9508,13 +10148,20 @@
     </p:spTree>
     <p:extLst>
       <p:ext uri="{BB962C8B-B14F-4D97-AF65-F5344CB8AC3E}">
-        <p14:creationId xmlns:p14="http://schemas.microsoft.com/office/powerpoint/2010/main" val="1725978891"/>
+        <p14:creationId xmlns:p14="http://schemas.microsoft.com/office/powerpoint/2010/main" val="2435629248"/>
       </p:ext>
     </p:extLst>
   </p:cSld>
   <p:clrMapOvr>
     <a:masterClrMapping/>
   </p:clrMapOvr>
+  <p:timing>
+    <p:tnLst>
+      <p:par>
+        <p:cTn id="1" dur="indefinite" restart="never" nodeType="tmRoot"/>
+      </p:par>
+    </p:tnLst>
+  </p:timing>
 </p:sld>
 </file>
 
@@ -9550,29 +10197,28 @@
           <a:bodyPr/>
           <a:lstStyle/>
           <a:p>
-            <a:r>
-              <a:rPr lang="en-US" dirty="0"/>
-              <a:t>Defects Found…</a:t>
-            </a:r>
-          </a:p>
-        </p:txBody>
-      </p:sp>
-      <p:sp>
-        <p:nvSpPr>
-          <p:cNvPr id="3" name="Content Placeholder 2"/>
-          <p:cNvSpPr>
-            <a:spLocks noGrp="1"/>
-          </p:cNvSpPr>
-          <p:nvPr>
-            <p:ph idx="1"/>
-          </p:nvPr>
-        </p:nvSpPr>
-        <p:spPr/>
-        <p:txBody>
-          <a:bodyPr/>
-          <a:lstStyle/>
-          <a:p>
-            <a:endParaRPr lang="en-US" dirty="0"/>
+            <a:pPr algn="ctr"/>
+            <a:r>
+              <a:rPr lang="en-US" b="1" dirty="0" smtClean="0">
+                <a:solidFill>
+                  <a:schemeClr val="accent5">
+                    <a:lumMod val="75000"/>
+                  </a:schemeClr>
+                </a:solidFill>
+                <a:latin typeface="Batang" pitchFamily="18" charset="-127"/>
+                <a:ea typeface="Batang" pitchFamily="18" charset="-127"/>
+              </a:rPr>
+              <a:t>ORDER PRODUCT</a:t>
+            </a:r>
+            <a:endParaRPr lang="en-US" b="1" dirty="0">
+              <a:solidFill>
+                <a:schemeClr val="accent5">
+                  <a:lumMod val="75000"/>
+                </a:schemeClr>
+              </a:solidFill>
+              <a:latin typeface="Batang" pitchFamily="18" charset="-127"/>
+              <a:ea typeface="Batang" pitchFamily="18" charset="-127"/>
+            </a:endParaRPr>
           </a:p>
         </p:txBody>
       </p:sp>
@@ -9607,16 +10253,85 @@
           </a:p>
         </p:txBody>
       </p:sp>
+      <p:pic>
+        <p:nvPicPr>
+          <p:cNvPr id="4098" name="Picture 2"/>
+          <p:cNvPicPr>
+            <a:picLocks noChangeAspect="1" noChangeArrowheads="1"/>
+          </p:cNvPicPr>
+          <p:nvPr/>
+        </p:nvPicPr>
+        <p:blipFill rotWithShape="1">
+          <a:blip r:embed="rId2">
+            <a:extLst>
+              <a:ext uri="{28A0092B-C50C-407E-A947-70E740481C1C}">
+                <a14:useLocalDpi xmlns:a14="http://schemas.microsoft.com/office/drawing/2010/main" val="0"/>
+              </a:ext>
+            </a:extLst>
+          </a:blip>
+          <a:srcRect b="3946"/>
+          <a:stretch/>
+        </p:blipFill>
+        <p:spPr bwMode="auto">
+          <a:xfrm>
+            <a:off x="304799" y="1524000"/>
+            <a:ext cx="8534399" cy="4611168"/>
+          </a:xfrm>
+          <a:prstGeom prst="rect">
+            <a:avLst/>
+          </a:prstGeom>
+          <a:noFill/>
+          <a:ln>
+            <a:noFill/>
+          </a:ln>
+          <a:effectLst/>
+          <a:extLst>
+            <a:ext uri="{909E8E84-426E-40DD-AFC4-6F175D3DCCD1}">
+              <a14:hiddenFill xmlns:a14="http://schemas.microsoft.com/office/drawing/2010/main">
+                <a:solidFill>
+                  <a:schemeClr val="accent1"/>
+                </a:solidFill>
+              </a14:hiddenFill>
+            </a:ext>
+            <a:ext uri="{91240B29-F687-4F45-9708-019B960494DF}">
+              <a14:hiddenLine xmlns:a14="http://schemas.microsoft.com/office/drawing/2010/main" w="9525">
+                <a:solidFill>
+                  <a:schemeClr val="tx1"/>
+                </a:solidFill>
+                <a:miter lim="800000"/>
+                <a:headEnd/>
+                <a:tailEnd/>
+              </a14:hiddenLine>
+            </a:ext>
+            <a:ext uri="{AF507438-7753-43E0-B8FC-AC1667EBCBE1}">
+              <a14:hiddenEffects xmlns:a14="http://schemas.microsoft.com/office/drawing/2010/main">
+                <a:effectLst>
+                  <a:outerShdw dist="35921" dir="2700000" algn="ctr" rotWithShape="0">
+                    <a:schemeClr val="bg2"/>
+                  </a:outerShdw>
+                </a:effectLst>
+              </a14:hiddenEffects>
+            </a:ext>
+          </a:extLst>
+        </p:spPr>
+      </p:pic>
     </p:spTree>
     <p:extLst>
       <p:ext uri="{BB962C8B-B14F-4D97-AF65-F5344CB8AC3E}">
-        <p14:creationId xmlns:p14="http://schemas.microsoft.com/office/powerpoint/2010/main" val="249142325"/>
+        <p14:creationId xmlns:p14="http://schemas.microsoft.com/office/powerpoint/2010/main" val="647718889"/>
       </p:ext>
     </p:extLst>
   </p:cSld>
   <p:clrMapOvr>
     <a:masterClrMapping/>
   </p:clrMapOvr>
+  <p:timing>
+    <p:tnLst>
+      <p:par>
+        <p:cTn id="1" dur="indefinite" restart="never" nodeType="tmRoot"/>
+      </p:par>
+    </p:tnLst>
+  </p:timing>
 </p:sld>
 </file>
 
@@ -9647,88 +10362,548 @@
             <p:ph type="title"/>
           </p:nvPr>
         </p:nvSpPr>
-        <p:spPr>
-          <a:xfrm>
-            <a:off x="304800" y="0"/>
-            <a:ext cx="8229600" cy="1020762"/>
-          </a:xfrm>
-        </p:spPr>
-        <p:txBody>
-          <a:bodyPr>
-            <a:normAutofit/>
+        <p:spPr/>
+        <p:txBody>
+          <a:bodyPr/>
+          <a:lstStyle/>
+          <a:p>
+            <a:pPr algn="ctr"/>
+            <a:r>
+              <a:rPr lang="en-US" dirty="0" smtClean="0">
+                <a:solidFill>
+                  <a:schemeClr val="accent5">
+                    <a:lumMod val="75000"/>
+                  </a:schemeClr>
+                </a:solidFill>
+              </a:rPr>
+              <a:t>ORDER DETAILS</a:t>
+            </a:r>
+            <a:endParaRPr lang="en-US" dirty="0">
+              <a:solidFill>
+                <a:schemeClr val="accent5">
+                  <a:lumMod val="75000"/>
+                </a:schemeClr>
+              </a:solidFill>
+            </a:endParaRPr>
+          </a:p>
+        </p:txBody>
+      </p:sp>
+      <p:pic>
+        <p:nvPicPr>
+          <p:cNvPr id="5122" name="Picture 2"/>
+          <p:cNvPicPr>
+            <a:picLocks noChangeAspect="1" noChangeArrowheads="1"/>
+          </p:cNvPicPr>
+          <p:nvPr/>
+        </p:nvPicPr>
+        <p:blipFill rotWithShape="1">
+          <a:blip r:embed="rId2">
+            <a:extLst>
+              <a:ext uri="{28A0092B-C50C-407E-A947-70E740481C1C}">
+                <a14:useLocalDpi xmlns:a14="http://schemas.microsoft.com/office/drawing/2010/main" val="0"/>
+              </a:ext>
+            </a:extLst>
+          </a:blip>
+          <a:srcRect l="28810" t="9823" r="28909" b="7261"/>
+          <a:stretch/>
+        </p:blipFill>
+        <p:spPr bwMode="auto">
+          <a:xfrm>
+            <a:off x="4648200" y="1286854"/>
+            <a:ext cx="4114800" cy="4439653"/>
+          </a:xfrm>
+          <a:prstGeom prst="rect">
+            <a:avLst/>
+          </a:prstGeom>
+          <a:noFill/>
+          <a:ln>
+            <a:noFill/>
+          </a:ln>
+          <a:effectLst/>
+          <a:extLst>
+            <a:ext uri="{909E8E84-426E-40DD-AFC4-6F175D3DCCD1}">
+              <a14:hiddenFill xmlns:a14="http://schemas.microsoft.com/office/drawing/2010/main">
+                <a:solidFill>
+                  <a:schemeClr val="accent1"/>
+                </a:solidFill>
+              </a14:hiddenFill>
+            </a:ext>
+            <a:ext uri="{91240B29-F687-4F45-9708-019B960494DF}">
+              <a14:hiddenLine xmlns:a14="http://schemas.microsoft.com/office/drawing/2010/main" w="9525">
+                <a:solidFill>
+                  <a:schemeClr val="tx1"/>
+                </a:solidFill>
+                <a:miter lim="800000"/>
+                <a:headEnd/>
+                <a:tailEnd/>
+              </a14:hiddenLine>
+            </a:ext>
+            <a:ext uri="{AF507438-7753-43E0-B8FC-AC1667EBCBE1}">
+              <a14:hiddenEffects xmlns:a14="http://schemas.microsoft.com/office/drawing/2010/main">
+                <a:effectLst>
+                  <a:outerShdw dist="35921" dir="2700000" algn="ctr" rotWithShape="0">
+                    <a:schemeClr val="bg2"/>
+                  </a:outerShdw>
+                </a:effectLst>
+              </a14:hiddenEffects>
+            </a:ext>
+          </a:extLst>
+        </p:spPr>
+      </p:pic>
+      <p:pic>
+        <p:nvPicPr>
+          <p:cNvPr id="5123" name="Picture 3"/>
+          <p:cNvPicPr>
+            <a:picLocks noChangeAspect="1" noChangeArrowheads="1"/>
+          </p:cNvPicPr>
+          <p:nvPr/>
+        </p:nvPicPr>
+        <p:blipFill rotWithShape="1">
+          <a:blip r:embed="rId3">
+            <a:extLst>
+              <a:ext uri="{28A0092B-C50C-407E-A947-70E740481C1C}">
+                <a14:useLocalDpi xmlns:a14="http://schemas.microsoft.com/office/drawing/2010/main" val="0"/>
+              </a:ext>
+            </a:extLst>
+          </a:blip>
+          <a:srcRect l="-1" r="643" b="22519"/>
+          <a:stretch/>
+        </p:blipFill>
+        <p:spPr bwMode="auto">
+          <a:xfrm>
+            <a:off x="76200" y="1295400"/>
+            <a:ext cx="4495799" cy="4439653"/>
+          </a:xfrm>
+          <a:prstGeom prst="rect">
+            <a:avLst/>
+          </a:prstGeom>
+          <a:noFill/>
+          <a:ln>
+            <a:noFill/>
+          </a:ln>
+          <a:effectLst/>
+          <a:extLst>
+            <a:ext uri="{909E8E84-426E-40DD-AFC4-6F175D3DCCD1}">
+              <a14:hiddenFill xmlns:a14="http://schemas.microsoft.com/office/drawing/2010/main">
+                <a:solidFill>
+                  <a:schemeClr val="accent1"/>
+                </a:solidFill>
+              </a14:hiddenFill>
+            </a:ext>
+            <a:ext uri="{91240B29-F687-4F45-9708-019B960494DF}">
+              <a14:hiddenLine xmlns:a14="http://schemas.microsoft.com/office/drawing/2010/main" w="9525">
+                <a:solidFill>
+                  <a:schemeClr val="tx1"/>
+                </a:solidFill>
+                <a:miter lim="800000"/>
+                <a:headEnd/>
+                <a:tailEnd/>
+              </a14:hiddenLine>
+            </a:ext>
+            <a:ext uri="{AF507438-7753-43E0-B8FC-AC1667EBCBE1}">
+              <a14:hiddenEffects xmlns:a14="http://schemas.microsoft.com/office/drawing/2010/main">
+                <a:effectLst>
+                  <a:outerShdw dist="35921" dir="2700000" algn="ctr" rotWithShape="0">
+                    <a:schemeClr val="bg2"/>
+                  </a:outerShdw>
+                </a:effectLst>
+              </a14:hiddenEffects>
+            </a:ext>
+          </a:extLst>
+        </p:spPr>
+      </p:pic>
+      <p:sp>
+        <p:nvSpPr>
+          <p:cNvPr id="6" name="TextBox 5"/>
+          <p:cNvSpPr txBox="1"/>
+          <p:nvPr/>
+        </p:nvSpPr>
+        <p:spPr>
+          <a:xfrm>
+            <a:off x="472962" y="5707060"/>
+            <a:ext cx="3810787" cy="369332"/>
+          </a:xfrm>
+          <a:prstGeom prst="rect">
+            <a:avLst/>
+          </a:prstGeom>
+          <a:noFill/>
+        </p:spPr>
+        <p:txBody>
+          <a:bodyPr wrap="none" rtlCol="0">
+            <a:spAutoFit/>
           </a:bodyPr>
           <a:lstStyle/>
           <a:p>
-            <a:pPr algn="l"/>
-            <a:r>
-              <a:rPr lang="en-US" sz="3600" dirty="0">
-                <a:latin typeface="Times New Roman" pitchFamily="18" charset="0"/>
-                <a:cs typeface="Times New Roman" pitchFamily="18" charset="0"/>
-              </a:rPr>
-              <a:t>Test Case Adequacy :</a:t>
-            </a:r>
-          </a:p>
-        </p:txBody>
-      </p:sp>
-      <p:sp>
-        <p:nvSpPr>
-          <p:cNvPr id="3" name="Content Placeholder 2"/>
-          <p:cNvSpPr>
-            <a:spLocks noGrp="1"/>
-          </p:cNvSpPr>
-          <p:nvPr>
-            <p:ph idx="1"/>
-          </p:nvPr>
-        </p:nvSpPr>
-        <p:spPr/>
-        <p:txBody>
-          <a:bodyPr>
-            <a:normAutofit/>
+            <a:r>
+              <a:rPr lang="en-US" dirty="0" smtClean="0"/>
+              <a:t>Page where user can download the bill</a:t>
+            </a:r>
+            <a:endParaRPr lang="en-US" dirty="0"/>
+          </a:p>
+        </p:txBody>
+      </p:sp>
+      <p:sp>
+        <p:nvSpPr>
+          <p:cNvPr id="7" name="TextBox 6"/>
+          <p:cNvSpPr txBox="1"/>
+          <p:nvPr/>
+        </p:nvSpPr>
+        <p:spPr>
+          <a:xfrm>
+            <a:off x="6324600" y="5755818"/>
+            <a:ext cx="502061" cy="400110"/>
+          </a:xfrm>
+          <a:prstGeom prst="rect">
+            <a:avLst/>
+          </a:prstGeom>
+          <a:noFill/>
+        </p:spPr>
+        <p:txBody>
+          <a:bodyPr wrap="none" rtlCol="0">
+            <a:spAutoFit/>
           </a:bodyPr>
           <a:lstStyle/>
           <a:p>
-            <a:pPr marL="0" indent="0">
-              <a:buNone/>
-            </a:pPr>
-            <a:endParaRPr lang="en-US" sz="2400" dirty="0">
-              <a:solidFill>
-                <a:schemeClr val="tx1"/>
-              </a:solidFill>
-              <a:latin typeface="Times New Roman" pitchFamily="18" charset="0"/>
-              <a:cs typeface="Times New Roman" pitchFamily="18" charset="0"/>
-            </a:endParaRPr>
-          </a:p>
-        </p:txBody>
-      </p:sp>
-      <p:sp>
-        <p:nvSpPr>
-          <p:cNvPr id="4" name="Footer Placeholder 3"/>
-          <p:cNvSpPr>
-            <a:spLocks noGrp="1"/>
-          </p:cNvSpPr>
-          <p:nvPr>
-            <p:ph type="ftr" sz="quarter" idx="11"/>
-          </p:nvPr>
-        </p:nvSpPr>
-        <p:spPr/>
-        <p:txBody>
-          <a:bodyPr/>
-          <a:lstStyle/>
-          <a:p>
-            <a:endParaRPr lang="en-US"/>
+            <a:r>
+              <a:rPr lang="en-US" sz="2000" dirty="0" smtClean="0"/>
+              <a:t>Bill</a:t>
+            </a:r>
+            <a:endParaRPr lang="en-US" sz="2000" dirty="0"/>
           </a:p>
         </p:txBody>
       </p:sp>
     </p:spTree>
     <p:extLst>
       <p:ext uri="{BB962C8B-B14F-4D97-AF65-F5344CB8AC3E}">
-        <p14:creationId xmlns:p14="http://schemas.microsoft.com/office/powerpoint/2010/main" val="3227065123"/>
+        <p14:creationId xmlns:p14="http://schemas.microsoft.com/office/powerpoint/2010/main" val="4200533189"/>
       </p:ext>
     </p:extLst>
   </p:cSld>
   <p:clrMapOvr>
     <a:masterClrMapping/>
   </p:clrMapOvr>
+  <p:timing>
+    <p:tnLst>
+      <p:par>
+        <p:cTn id="1" dur="indefinite" restart="never" nodeType="tmRoot">
+          <p:childTnLst>
+            <p:seq concurrent="1" nextAc="seek">
+              <p:cTn id="2" dur="indefinite" nodeType="mainSeq">
+                <p:childTnLst>
+                  <p:par>
+                    <p:cTn id="3" fill="hold">
+                      <p:stCondLst>
+                        <p:cond delay="indefinite"/>
+                      </p:stCondLst>
+                      <p:childTnLst>
+                        <p:par>
+                          <p:cTn id="4" fill="hold">
+                            <p:stCondLst>
+                              <p:cond delay="0"/>
+                            </p:stCondLst>
+                            <p:childTnLst>
+                              <p:par>
+                                <p:cTn id="5" presetID="16" presetClass="entr" presetSubtype="21" fill="hold" nodeType="clickEffect">
+                                  <p:stCondLst>
+                                    <p:cond delay="0"/>
+                                  </p:stCondLst>
+                                  <p:childTnLst>
+                                    <p:set>
+                                      <p:cBhvr>
+                                        <p:cTn id="6" dur="1" fill="hold">
+                                          <p:stCondLst>
+                                            <p:cond delay="0"/>
+                                          </p:stCondLst>
+                                        </p:cTn>
+                                        <p:tgtEl>
+                                          <p:spTgt spid="5123"/>
+                                        </p:tgtEl>
+                                        <p:attrNameLst>
+                                          <p:attrName>style.visibility</p:attrName>
+                                        </p:attrNameLst>
+                                      </p:cBhvr>
+                                      <p:to>
+                                        <p:strVal val="visible"/>
+                                      </p:to>
+                                    </p:set>
+                                    <p:animEffect transition="in" filter="barn(inVertical)">
+                                      <p:cBhvr>
+                                        <p:cTn id="7" dur="500"/>
+                                        <p:tgtEl>
+                                          <p:spTgt spid="5123"/>
+                                        </p:tgtEl>
+                                      </p:cBhvr>
+                                    </p:animEffect>
+                                  </p:childTnLst>
+                                </p:cTn>
+                              </p:par>
+                            </p:childTnLst>
+                          </p:cTn>
+                        </p:par>
+                      </p:childTnLst>
+                    </p:cTn>
+                  </p:par>
+                  <p:par>
+                    <p:cTn id="8" fill="hold">
+                      <p:stCondLst>
+                        <p:cond delay="indefinite"/>
+                      </p:stCondLst>
+                      <p:childTnLst>
+                        <p:par>
+                          <p:cTn id="9" fill="hold">
+                            <p:stCondLst>
+                              <p:cond delay="0"/>
+                            </p:stCondLst>
+                            <p:childTnLst>
+                              <p:par>
+                                <p:cTn id="10" presetID="2" presetClass="entr" presetSubtype="4" fill="hold" grpId="0" nodeType="clickEffect">
+                                  <p:stCondLst>
+                                    <p:cond delay="0"/>
+                                  </p:stCondLst>
+                                  <p:childTnLst>
+                                    <p:set>
+                                      <p:cBhvr>
+                                        <p:cTn id="11" dur="1" fill="hold">
+                                          <p:stCondLst>
+                                            <p:cond delay="0"/>
+                                          </p:stCondLst>
+                                        </p:cTn>
+                                        <p:tgtEl>
+                                          <p:spTgt spid="6"/>
+                                        </p:tgtEl>
+                                        <p:attrNameLst>
+                                          <p:attrName>style.visibility</p:attrName>
+                                        </p:attrNameLst>
+                                      </p:cBhvr>
+                                      <p:to>
+                                        <p:strVal val="visible"/>
+                                      </p:to>
+                                    </p:set>
+                                    <p:anim calcmode="lin" valueType="num">
+                                      <p:cBhvr additive="base">
+                                        <p:cTn id="12" dur="500" fill="hold"/>
+                                        <p:tgtEl>
+                                          <p:spTgt spid="6"/>
+                                        </p:tgtEl>
+                                        <p:attrNameLst>
+                                          <p:attrName>ppt_x</p:attrName>
+                                        </p:attrNameLst>
+                                      </p:cBhvr>
+                                      <p:tavLst>
+                                        <p:tav tm="0">
+                                          <p:val>
+                                            <p:strVal val="#ppt_x"/>
+                                          </p:val>
+                                        </p:tav>
+                                        <p:tav tm="100000">
+                                          <p:val>
+                                            <p:strVal val="#ppt_x"/>
+                                          </p:val>
+                                        </p:tav>
+                                      </p:tavLst>
+                                    </p:anim>
+                                    <p:anim calcmode="lin" valueType="num">
+                                      <p:cBhvr additive="base">
+                                        <p:cTn id="13" dur="500" fill="hold"/>
+                                        <p:tgtEl>
+                                          <p:spTgt spid="6"/>
+                                        </p:tgtEl>
+                                        <p:attrNameLst>
+                                          <p:attrName>ppt_y</p:attrName>
+                                        </p:attrNameLst>
+                                      </p:cBhvr>
+                                      <p:tavLst>
+                                        <p:tav tm="0">
+                                          <p:val>
+                                            <p:strVal val="1+#ppt_h/2"/>
+                                          </p:val>
+                                        </p:tav>
+                                        <p:tav tm="100000">
+                                          <p:val>
+                                            <p:strVal val="#ppt_y"/>
+                                          </p:val>
+                                        </p:tav>
+                                      </p:tavLst>
+                                    </p:anim>
+                                  </p:childTnLst>
+                                </p:cTn>
+                              </p:par>
+                            </p:childTnLst>
+                          </p:cTn>
+                        </p:par>
+                      </p:childTnLst>
+                    </p:cTn>
+                  </p:par>
+                  <p:par>
+                    <p:cTn id="14" fill="hold">
+                      <p:stCondLst>
+                        <p:cond delay="indefinite"/>
+                      </p:stCondLst>
+                      <p:childTnLst>
+                        <p:par>
+                          <p:cTn id="15" fill="hold">
+                            <p:stCondLst>
+                              <p:cond delay="0"/>
+                            </p:stCondLst>
+                            <p:childTnLst>
+                              <p:par>
+                                <p:cTn id="16" presetID="16" presetClass="entr" presetSubtype="21" fill="hold" nodeType="clickEffect">
+                                  <p:stCondLst>
+                                    <p:cond delay="0"/>
+                                  </p:stCondLst>
+                                  <p:childTnLst>
+                                    <p:set>
+                                      <p:cBhvr>
+                                        <p:cTn id="17" dur="1" fill="hold">
+                                          <p:stCondLst>
+                                            <p:cond delay="0"/>
+                                          </p:stCondLst>
+                                        </p:cTn>
+                                        <p:tgtEl>
+                                          <p:spTgt spid="5122"/>
+                                        </p:tgtEl>
+                                        <p:attrNameLst>
+                                          <p:attrName>style.visibility</p:attrName>
+                                        </p:attrNameLst>
+                                      </p:cBhvr>
+                                      <p:to>
+                                        <p:strVal val="visible"/>
+                                      </p:to>
+                                    </p:set>
+                                    <p:animEffect transition="in" filter="barn(inVertical)">
+                                      <p:cBhvr>
+                                        <p:cTn id="18" dur="500"/>
+                                        <p:tgtEl>
+                                          <p:spTgt spid="5122"/>
+                                        </p:tgtEl>
+                                      </p:cBhvr>
+                                    </p:animEffect>
+                                  </p:childTnLst>
+                                </p:cTn>
+                              </p:par>
+                            </p:childTnLst>
+                          </p:cTn>
+                        </p:par>
+                      </p:childTnLst>
+                    </p:cTn>
+                  </p:par>
+                  <p:par>
+                    <p:cTn id="19" fill="hold">
+                      <p:stCondLst>
+                        <p:cond delay="indefinite"/>
+                      </p:stCondLst>
+                      <p:childTnLst>
+                        <p:par>
+                          <p:cTn id="20" fill="hold">
+                            <p:stCondLst>
+                              <p:cond delay="0"/>
+                            </p:stCondLst>
+                            <p:childTnLst>
+                              <p:par>
+                                <p:cTn id="21" presetID="2" presetClass="entr" presetSubtype="4" fill="hold" grpId="0" nodeType="clickEffect">
+                                  <p:stCondLst>
+                                    <p:cond delay="0"/>
+                                  </p:stCondLst>
+                                  <p:childTnLst>
+                                    <p:set>
+                                      <p:cBhvr>
+                                        <p:cTn id="22" dur="1" fill="hold">
+                                          <p:stCondLst>
+                                            <p:cond delay="0"/>
+                                          </p:stCondLst>
+                                        </p:cTn>
+                                        <p:tgtEl>
+                                          <p:spTgt spid="7"/>
+                                        </p:tgtEl>
+                                        <p:attrNameLst>
+                                          <p:attrName>style.visibility</p:attrName>
+                                        </p:attrNameLst>
+                                      </p:cBhvr>
+                                      <p:to>
+                                        <p:strVal val="visible"/>
+                                      </p:to>
+                                    </p:set>
+                                    <p:anim calcmode="lin" valueType="num">
+                                      <p:cBhvr additive="base">
+                                        <p:cTn id="23" dur="500" fill="hold"/>
+                                        <p:tgtEl>
+                                          <p:spTgt spid="7"/>
+                                        </p:tgtEl>
+                                        <p:attrNameLst>
+                                          <p:attrName>ppt_x</p:attrName>
+                                        </p:attrNameLst>
+                                      </p:cBhvr>
+                                      <p:tavLst>
+                                        <p:tav tm="0">
+                                          <p:val>
+                                            <p:strVal val="#ppt_x"/>
+                                          </p:val>
+                                        </p:tav>
+                                        <p:tav tm="100000">
+                                          <p:val>
+                                            <p:strVal val="#ppt_x"/>
+                                          </p:val>
+                                        </p:tav>
+                                      </p:tavLst>
+                                    </p:anim>
+                                    <p:anim calcmode="lin" valueType="num">
+                                      <p:cBhvr additive="base">
+                                        <p:cTn id="24" dur="500" fill="hold"/>
+                                        <p:tgtEl>
+                                          <p:spTgt spid="7"/>
+                                        </p:tgtEl>
+                                        <p:attrNameLst>
+                                          <p:attrName>ppt_y</p:attrName>
+                                        </p:attrNameLst>
+                                      </p:cBhvr>
+                                      <p:tavLst>
+                                        <p:tav tm="0">
+                                          <p:val>
+                                            <p:strVal val="1+#ppt_h/2"/>
+                                          </p:val>
+                                        </p:tav>
+                                        <p:tav tm="100000">
+                                          <p:val>
+                                            <p:strVal val="#ppt_y"/>
+                                          </p:val>
+                                        </p:tav>
+                                      </p:tavLst>
+                                    </p:anim>
+                                  </p:childTnLst>
+                                </p:cTn>
+                              </p:par>
+                            </p:childTnLst>
+                          </p:cTn>
+                        </p:par>
+                      </p:childTnLst>
+                    </p:cTn>
+                  </p:par>
+                </p:childTnLst>
+              </p:cTn>
+              <p:prevCondLst>
+                <p:cond evt="onPrev" delay="0">
+                  <p:tgtEl>
+                    <p:sldTgt/>
+                  </p:tgtEl>
+                </p:cond>
+              </p:prevCondLst>
+              <p:nextCondLst>
+                <p:cond evt="onNext" delay="0">
+                  <p:tgtEl>
+                    <p:sldTgt/>
+                  </p:tgtEl>
+                </p:cond>
+              </p:nextCondLst>
+            </p:seq>
+          </p:childTnLst>
+        </p:cTn>
+      </p:par>
+    </p:tnLst>
+    <p:bldLst>
+      <p:bldP spid="6" grpId="0"/>
+      <p:bldP spid="7" grpId="0"/>
+    </p:bldLst>
+  </p:timing>
 </p:sld>
 </file>
 
@@ -9756,67 +10931,70 @@
             <a:spLocks noGrp="1"/>
           </p:cNvSpPr>
           <p:nvPr>
-            <p:ph type="ctrTitle"/>
-          </p:nvPr>
-        </p:nvSpPr>
-        <p:spPr>
-          <a:xfrm>
-            <a:off x="228600" y="-13855"/>
-            <a:ext cx="7772400" cy="1066800"/>
-          </a:xfrm>
-        </p:spPr>
+            <p:ph type="title"/>
+          </p:nvPr>
+        </p:nvSpPr>
+        <p:spPr/>
         <p:txBody>
           <a:bodyPr>
             <a:normAutofit/>
           </a:bodyPr>
           <a:lstStyle/>
           <a:p>
-            <a:pPr algn="l"/>
-            <a:r>
-              <a:rPr lang="en-US" sz="3600" dirty="0">
-                <a:latin typeface="Times New Roman" pitchFamily="18" charset="0"/>
-                <a:cs typeface="Times New Roman" pitchFamily="18" charset="0"/>
+            <a:pPr algn="ctr"/>
+            <a:r>
+              <a:rPr lang="en-US" b="1" dirty="0" smtClean="0">
+                <a:solidFill>
+                  <a:schemeClr val="accent4">
+                    <a:lumMod val="75000"/>
+                  </a:schemeClr>
+                </a:solidFill>
+                <a:latin typeface="Batang" pitchFamily="18" charset="-127"/>
+                <a:ea typeface="Batang" pitchFamily="18" charset="-127"/>
               </a:rPr>
-              <a:t>Test Case Effectiveness:</a:t>
-            </a:r>
-          </a:p>
-        </p:txBody>
-      </p:sp>
-      <p:sp>
-        <p:nvSpPr>
-          <p:cNvPr id="3" name="Subtitle 2"/>
-          <p:cNvSpPr>
-            <a:spLocks noGrp="1"/>
-          </p:cNvSpPr>
-          <p:nvPr>
-            <p:ph type="subTitle" idx="1"/>
-          </p:nvPr>
-        </p:nvSpPr>
-        <p:spPr>
-          <a:xfrm>
-            <a:off x="609600" y="1828800"/>
-            <a:ext cx="8001000" cy="4419600"/>
-          </a:xfrm>
-        </p:spPr>
-        <p:txBody>
-          <a:bodyPr>
-            <a:normAutofit/>
-          </a:bodyPr>
-          <a:lstStyle/>
-          <a:p>
-            <a:pPr algn="l"/>
-            <a:endParaRPr lang="en-US" sz="2400" dirty="0">
+              <a:t>USE CASE</a:t>
+            </a:r>
+            <a:endParaRPr lang="en-US" dirty="0">
               <a:solidFill>
-                <a:schemeClr val="tx1"/>
+                <a:schemeClr val="accent4">
+                  <a:lumMod val="75000"/>
+                </a:schemeClr>
               </a:solidFill>
-              <a:latin typeface="Times New Roman" pitchFamily="18" charset="0"/>
-              <a:cs typeface="Times New Roman" pitchFamily="18" charset="0"/>
+              <a:latin typeface="Batang" pitchFamily="18" charset="-127"/>
+              <a:ea typeface="Batang" pitchFamily="18" charset="-127"/>
             </a:endParaRPr>
           </a:p>
         </p:txBody>
       </p:sp>
       <p:sp>
         <p:nvSpPr>
+          <p:cNvPr id="3" name="Content Placeholder 2"/>
+          <p:cNvSpPr>
+            <a:spLocks noGrp="1"/>
+          </p:cNvSpPr>
+          <p:nvPr>
+            <p:ph idx="1"/>
+          </p:nvPr>
+        </p:nvSpPr>
+        <p:spPr>
+          <a:xfrm>
+            <a:off x="410308" y="1588477"/>
+            <a:ext cx="8229600" cy="4525963"/>
+          </a:xfrm>
+        </p:spPr>
+        <p:txBody>
+          <a:bodyPr/>
+          <a:lstStyle/>
+          <a:p>
+            <a:endParaRPr lang="en-US" dirty="0" smtClean="0"/>
+          </a:p>
+          <a:p>
+            <a:endParaRPr lang="en-US" dirty="0"/>
+          </a:p>
+        </p:txBody>
+      </p:sp>
+      <p:sp>
+        <p:nvSpPr>
           <p:cNvPr id="4" name="Footer Placeholder 3"/>
           <p:cNvSpPr>
             <a:spLocks noGrp="1"/>
@@ -9831,22 +11009,1084 @@
           <a:lstStyle/>
           <a:p>
             <a:r>
-              <a:rPr lang="en-US"/>
-              <a:t>Capgemini Public</a:t>
-            </a:r>
-          </a:p>
-        </p:txBody>
-      </p:sp>
+              <a:rPr lang="en-US" smtClean="0">
+                <a:solidFill>
+                  <a:prstClr val="black"/>
+                </a:solidFill>
+              </a:rPr>
+              <a:t>IGATE Sensitive</a:t>
+            </a:r>
+            <a:endParaRPr lang="en-US" dirty="0">
+              <a:solidFill>
+                <a:prstClr val="black"/>
+              </a:solidFill>
+            </a:endParaRPr>
+          </a:p>
+        </p:txBody>
+      </p:sp>
+      <p:pic>
+        <p:nvPicPr>
+          <p:cNvPr id="5" name="Picture 4"/>
+          <p:cNvPicPr/>
+          <p:nvPr/>
+        </p:nvPicPr>
+        <p:blipFill>
+          <a:blip r:embed="rId2"/>
+          <a:srcRect/>
+          <a:stretch>
+            <a:fillRect/>
+          </a:stretch>
+        </p:blipFill>
+        <p:spPr bwMode="auto">
+          <a:xfrm>
+            <a:off x="401515" y="2025162"/>
+            <a:ext cx="6934200" cy="5105400"/>
+          </a:xfrm>
+          <a:prstGeom prst="rect">
+            <a:avLst/>
+          </a:prstGeom>
+          <a:noFill/>
+          <a:ln w="9525">
+            <a:noFill/>
+            <a:miter lim="800000"/>
+            <a:headEnd/>
+            <a:tailEnd/>
+          </a:ln>
+        </p:spPr>
+      </p:pic>
+      <p:sp>
+        <p:nvSpPr>
+          <p:cNvPr id="6" name="Oval 5"/>
+          <p:cNvSpPr/>
+          <p:nvPr/>
+        </p:nvSpPr>
+        <p:spPr>
+          <a:xfrm>
+            <a:off x="4777153" y="5143500"/>
+            <a:ext cx="1752600" cy="685800"/>
+          </a:xfrm>
+          <a:prstGeom prst="ellipse">
+            <a:avLst/>
+          </a:prstGeom>
+        </p:spPr>
+        <p:style>
+          <a:lnRef idx="1">
+            <a:schemeClr val="accent5"/>
+          </a:lnRef>
+          <a:fillRef idx="2">
+            <a:schemeClr val="accent5"/>
+          </a:fillRef>
+          <a:effectRef idx="1">
+            <a:schemeClr val="accent5"/>
+          </a:effectRef>
+          <a:fontRef idx="minor">
+            <a:schemeClr val="dk1"/>
+          </a:fontRef>
+        </p:style>
+        <p:txBody>
+          <a:bodyPr rtlCol="0" anchor="ctr"/>
+          <a:lstStyle/>
+          <a:p>
+            <a:pPr algn="ctr"/>
+            <a:r>
+              <a:rPr lang="en-US" dirty="0" smtClean="0"/>
+              <a:t>Product Shipping Details</a:t>
+            </a:r>
+            <a:endParaRPr lang="en-US" dirty="0"/>
+          </a:p>
+        </p:txBody>
+      </p:sp>
+      <p:sp>
+        <p:nvSpPr>
+          <p:cNvPr id="7" name="Oval 6"/>
+          <p:cNvSpPr/>
+          <p:nvPr/>
+        </p:nvSpPr>
+        <p:spPr>
+          <a:xfrm>
+            <a:off x="1981200" y="5829299"/>
+            <a:ext cx="1752600" cy="521677"/>
+          </a:xfrm>
+          <a:prstGeom prst="ellipse">
+            <a:avLst/>
+          </a:prstGeom>
+        </p:spPr>
+        <p:style>
+          <a:lnRef idx="1">
+            <a:schemeClr val="accent5"/>
+          </a:lnRef>
+          <a:fillRef idx="2">
+            <a:schemeClr val="accent5"/>
+          </a:fillRef>
+          <a:effectRef idx="1">
+            <a:schemeClr val="accent5"/>
+          </a:effectRef>
+          <a:fontRef idx="minor">
+            <a:schemeClr val="dk1"/>
+          </a:fontRef>
+        </p:style>
+        <p:txBody>
+          <a:bodyPr rtlCol="0" anchor="ctr"/>
+          <a:lstStyle/>
+          <a:p>
+            <a:pPr algn="ctr"/>
+            <a:r>
+              <a:rPr lang="en-US" dirty="0" smtClean="0"/>
+              <a:t>Remove product</a:t>
+            </a:r>
+            <a:endParaRPr lang="en-US" dirty="0"/>
+          </a:p>
+        </p:txBody>
+      </p:sp>
+      <p:sp>
+        <p:nvSpPr>
+          <p:cNvPr id="8" name="Oval 7"/>
+          <p:cNvSpPr/>
+          <p:nvPr/>
+        </p:nvSpPr>
+        <p:spPr>
+          <a:xfrm>
+            <a:off x="2772508" y="5143499"/>
+            <a:ext cx="1752600" cy="468923"/>
+          </a:xfrm>
+          <a:prstGeom prst="ellipse">
+            <a:avLst/>
+          </a:prstGeom>
+        </p:spPr>
+        <p:style>
+          <a:lnRef idx="1">
+            <a:schemeClr val="accent5"/>
+          </a:lnRef>
+          <a:fillRef idx="2">
+            <a:schemeClr val="accent5"/>
+          </a:fillRef>
+          <a:effectRef idx="1">
+            <a:schemeClr val="accent5"/>
+          </a:effectRef>
+          <a:fontRef idx="minor">
+            <a:schemeClr val="dk1"/>
+          </a:fontRef>
+        </p:style>
+        <p:txBody>
+          <a:bodyPr rtlCol="0" anchor="ctr"/>
+          <a:lstStyle/>
+          <a:p>
+            <a:pPr algn="ctr"/>
+            <a:r>
+              <a:rPr lang="en-US" dirty="0" smtClean="0"/>
+              <a:t>Modify Details</a:t>
+            </a:r>
+            <a:endParaRPr lang="en-US" dirty="0"/>
+          </a:p>
+        </p:txBody>
+      </p:sp>
+      <p:sp>
+        <p:nvSpPr>
+          <p:cNvPr id="9" name="Oval 8"/>
+          <p:cNvSpPr/>
+          <p:nvPr/>
+        </p:nvSpPr>
+        <p:spPr>
+          <a:xfrm>
+            <a:off x="2754923" y="4381500"/>
+            <a:ext cx="1752600" cy="533400"/>
+          </a:xfrm>
+          <a:prstGeom prst="ellipse">
+            <a:avLst/>
+          </a:prstGeom>
+        </p:spPr>
+        <p:style>
+          <a:lnRef idx="1">
+            <a:schemeClr val="accent5"/>
+          </a:lnRef>
+          <a:fillRef idx="2">
+            <a:schemeClr val="accent5"/>
+          </a:fillRef>
+          <a:effectRef idx="1">
+            <a:schemeClr val="accent5"/>
+          </a:effectRef>
+          <a:fontRef idx="minor">
+            <a:schemeClr val="dk1"/>
+          </a:fontRef>
+        </p:style>
+        <p:txBody>
+          <a:bodyPr rtlCol="0" anchor="ctr"/>
+          <a:lstStyle/>
+          <a:p>
+            <a:pPr algn="ctr"/>
+            <a:r>
+              <a:rPr lang="en-US" dirty="0" smtClean="0"/>
+              <a:t>Add Product</a:t>
+            </a:r>
+            <a:endParaRPr lang="en-US" dirty="0"/>
+          </a:p>
+        </p:txBody>
+      </p:sp>
+      <p:sp>
+        <p:nvSpPr>
+          <p:cNvPr id="10" name="Oval 9"/>
+          <p:cNvSpPr/>
+          <p:nvPr/>
+        </p:nvSpPr>
+        <p:spPr>
+          <a:xfrm>
+            <a:off x="1858108" y="1066800"/>
+            <a:ext cx="1752600" cy="495300"/>
+          </a:xfrm>
+          <a:prstGeom prst="ellipse">
+            <a:avLst/>
+          </a:prstGeom>
+        </p:spPr>
+        <p:style>
+          <a:lnRef idx="1">
+            <a:schemeClr val="accent5"/>
+          </a:lnRef>
+          <a:fillRef idx="2">
+            <a:schemeClr val="accent5"/>
+          </a:fillRef>
+          <a:effectRef idx="1">
+            <a:schemeClr val="accent5"/>
+          </a:effectRef>
+          <a:fontRef idx="minor">
+            <a:schemeClr val="dk1"/>
+          </a:fontRef>
+        </p:style>
+        <p:txBody>
+          <a:bodyPr rtlCol="0" anchor="ctr"/>
+          <a:lstStyle/>
+          <a:p>
+            <a:pPr algn="ctr"/>
+            <a:r>
+              <a:rPr lang="en-US" dirty="0" smtClean="0"/>
+              <a:t>Login</a:t>
+            </a:r>
+            <a:endParaRPr lang="en-US" dirty="0"/>
+          </a:p>
+        </p:txBody>
+      </p:sp>
+      <p:sp>
+        <p:nvSpPr>
+          <p:cNvPr id="11" name="Oval 10"/>
+          <p:cNvSpPr/>
+          <p:nvPr/>
+        </p:nvSpPr>
+        <p:spPr>
+          <a:xfrm>
+            <a:off x="2485292" y="1600200"/>
+            <a:ext cx="1752600" cy="495300"/>
+          </a:xfrm>
+          <a:prstGeom prst="ellipse">
+            <a:avLst/>
+          </a:prstGeom>
+        </p:spPr>
+        <p:style>
+          <a:lnRef idx="1">
+            <a:schemeClr val="accent5"/>
+          </a:lnRef>
+          <a:fillRef idx="2">
+            <a:schemeClr val="accent5"/>
+          </a:fillRef>
+          <a:effectRef idx="1">
+            <a:schemeClr val="accent5"/>
+          </a:effectRef>
+          <a:fontRef idx="minor">
+            <a:schemeClr val="dk1"/>
+          </a:fontRef>
+        </p:style>
+        <p:txBody>
+          <a:bodyPr rtlCol="0" anchor="ctr"/>
+          <a:lstStyle/>
+          <a:p>
+            <a:pPr algn="ctr"/>
+            <a:r>
+              <a:rPr lang="en-US" dirty="0" smtClean="0"/>
+              <a:t>Order Product</a:t>
+            </a:r>
+            <a:endParaRPr lang="en-US" dirty="0"/>
+          </a:p>
+        </p:txBody>
+      </p:sp>
+      <p:sp>
+        <p:nvSpPr>
+          <p:cNvPr id="12" name="Oval 11"/>
+          <p:cNvSpPr/>
+          <p:nvPr/>
+        </p:nvSpPr>
+        <p:spPr>
+          <a:xfrm>
+            <a:off x="2754923" y="2895600"/>
+            <a:ext cx="2253762" cy="457200"/>
+          </a:xfrm>
+          <a:prstGeom prst="ellipse">
+            <a:avLst/>
+          </a:prstGeom>
+        </p:spPr>
+        <p:style>
+          <a:lnRef idx="1">
+            <a:schemeClr val="accent5"/>
+          </a:lnRef>
+          <a:fillRef idx="2">
+            <a:schemeClr val="accent5"/>
+          </a:fillRef>
+          <a:effectRef idx="1">
+            <a:schemeClr val="accent5"/>
+          </a:effectRef>
+          <a:fontRef idx="minor">
+            <a:schemeClr val="dk1"/>
+          </a:fontRef>
+        </p:style>
+        <p:txBody>
+          <a:bodyPr rtlCol="0" anchor="ctr"/>
+          <a:lstStyle/>
+          <a:p>
+            <a:pPr algn="ctr"/>
+            <a:r>
+              <a:rPr lang="en-US" dirty="0" smtClean="0"/>
+              <a:t>Add Product To </a:t>
+            </a:r>
+            <a:r>
+              <a:rPr lang="en-US" dirty="0" err="1" smtClean="0"/>
+              <a:t>Wishlist</a:t>
+            </a:r>
+            <a:endParaRPr lang="en-US" dirty="0"/>
+          </a:p>
+        </p:txBody>
+      </p:sp>
+      <p:sp>
+        <p:nvSpPr>
+          <p:cNvPr id="13" name="Oval 12"/>
+          <p:cNvSpPr/>
+          <p:nvPr/>
+        </p:nvSpPr>
+        <p:spPr>
+          <a:xfrm>
+            <a:off x="2781300" y="2224454"/>
+            <a:ext cx="1905000" cy="533400"/>
+          </a:xfrm>
+          <a:prstGeom prst="ellipse">
+            <a:avLst/>
+          </a:prstGeom>
+        </p:spPr>
+        <p:style>
+          <a:lnRef idx="1">
+            <a:schemeClr val="accent5"/>
+          </a:lnRef>
+          <a:fillRef idx="2">
+            <a:schemeClr val="accent5"/>
+          </a:fillRef>
+          <a:effectRef idx="1">
+            <a:schemeClr val="accent5"/>
+          </a:effectRef>
+          <a:fontRef idx="minor">
+            <a:schemeClr val="dk1"/>
+          </a:fontRef>
+        </p:style>
+        <p:txBody>
+          <a:bodyPr rtlCol="0" anchor="ctr"/>
+          <a:lstStyle/>
+          <a:p>
+            <a:pPr algn="ctr"/>
+            <a:r>
+              <a:rPr lang="en-US" dirty="0" smtClean="0"/>
+              <a:t>Cancel Order</a:t>
+            </a:r>
+            <a:endParaRPr lang="en-US" dirty="0"/>
+          </a:p>
+        </p:txBody>
+      </p:sp>
+      <p:sp>
+        <p:nvSpPr>
+          <p:cNvPr id="14" name="Oval 13"/>
+          <p:cNvSpPr/>
+          <p:nvPr/>
+        </p:nvSpPr>
+        <p:spPr>
+          <a:xfrm>
+            <a:off x="1267557" y="3467100"/>
+            <a:ext cx="2253762" cy="457200"/>
+          </a:xfrm>
+          <a:prstGeom prst="ellipse">
+            <a:avLst/>
+          </a:prstGeom>
+        </p:spPr>
+        <p:style>
+          <a:lnRef idx="1">
+            <a:schemeClr val="accent5"/>
+          </a:lnRef>
+          <a:fillRef idx="2">
+            <a:schemeClr val="accent5"/>
+          </a:fillRef>
+          <a:effectRef idx="1">
+            <a:schemeClr val="accent5"/>
+          </a:effectRef>
+          <a:fontRef idx="minor">
+            <a:schemeClr val="dk1"/>
+          </a:fontRef>
+        </p:style>
+        <p:txBody>
+          <a:bodyPr rtlCol="0" anchor="ctr"/>
+          <a:lstStyle/>
+          <a:p>
+            <a:pPr algn="ctr"/>
+            <a:r>
+              <a:rPr lang="en-US" dirty="0" smtClean="0"/>
+              <a:t>Payment For Product</a:t>
+            </a:r>
+            <a:endParaRPr lang="en-US" dirty="0"/>
+          </a:p>
+        </p:txBody>
+      </p:sp>
+      <p:sp>
+        <p:nvSpPr>
+          <p:cNvPr id="15" name="Flowchart: Connector 14"/>
+          <p:cNvSpPr/>
+          <p:nvPr/>
+        </p:nvSpPr>
+        <p:spPr>
+          <a:xfrm>
+            <a:off x="457200" y="1847850"/>
+            <a:ext cx="457200" cy="457200"/>
+          </a:xfrm>
+          <a:prstGeom prst="flowChartConnector">
+            <a:avLst/>
+          </a:prstGeom>
+        </p:spPr>
+        <p:style>
+          <a:lnRef idx="1">
+            <a:schemeClr val="accent6"/>
+          </a:lnRef>
+          <a:fillRef idx="2">
+            <a:schemeClr val="accent6"/>
+          </a:fillRef>
+          <a:effectRef idx="1">
+            <a:schemeClr val="accent6"/>
+          </a:effectRef>
+          <a:fontRef idx="minor">
+            <a:schemeClr val="dk1"/>
+          </a:fontRef>
+        </p:style>
+        <p:txBody>
+          <a:bodyPr rtlCol="0" anchor="ctr"/>
+          <a:lstStyle/>
+          <a:p>
+            <a:pPr algn="ctr"/>
+            <a:endParaRPr lang="en-US"/>
+          </a:p>
+        </p:txBody>
+      </p:sp>
+      <p:sp>
+        <p:nvSpPr>
+          <p:cNvPr id="16" name="Flowchart: Connector 15"/>
+          <p:cNvSpPr/>
+          <p:nvPr/>
+        </p:nvSpPr>
+        <p:spPr>
+          <a:xfrm>
+            <a:off x="7391400" y="3009900"/>
+            <a:ext cx="457200" cy="457200"/>
+          </a:xfrm>
+          <a:prstGeom prst="flowChartConnector">
+            <a:avLst/>
+          </a:prstGeom>
+        </p:spPr>
+        <p:style>
+          <a:lnRef idx="1">
+            <a:schemeClr val="accent6"/>
+          </a:lnRef>
+          <a:fillRef idx="2">
+            <a:schemeClr val="accent6"/>
+          </a:fillRef>
+          <a:effectRef idx="1">
+            <a:schemeClr val="accent6"/>
+          </a:effectRef>
+          <a:fontRef idx="minor">
+            <a:schemeClr val="dk1"/>
+          </a:fontRef>
+        </p:style>
+        <p:txBody>
+          <a:bodyPr rtlCol="0" anchor="ctr"/>
+          <a:lstStyle/>
+          <a:p>
+            <a:pPr algn="ctr"/>
+            <a:endParaRPr lang="en-US"/>
+          </a:p>
+        </p:txBody>
+      </p:sp>
+      <p:sp>
+        <p:nvSpPr>
+          <p:cNvPr id="17" name="Flowchart: Connector 16"/>
+          <p:cNvSpPr/>
+          <p:nvPr/>
+        </p:nvSpPr>
+        <p:spPr>
+          <a:xfrm>
+            <a:off x="7620000" y="5065102"/>
+            <a:ext cx="457200" cy="457200"/>
+          </a:xfrm>
+          <a:prstGeom prst="flowChartConnector">
+            <a:avLst/>
+          </a:prstGeom>
+        </p:spPr>
+        <p:style>
+          <a:lnRef idx="1">
+            <a:schemeClr val="accent6"/>
+          </a:lnRef>
+          <a:fillRef idx="2">
+            <a:schemeClr val="accent6"/>
+          </a:fillRef>
+          <a:effectRef idx="1">
+            <a:schemeClr val="accent6"/>
+          </a:effectRef>
+          <a:fontRef idx="minor">
+            <a:schemeClr val="dk1"/>
+          </a:fontRef>
+        </p:style>
+        <p:txBody>
+          <a:bodyPr rtlCol="0" anchor="ctr"/>
+          <a:lstStyle/>
+          <a:p>
+            <a:pPr algn="ctr"/>
+            <a:endParaRPr lang="en-US"/>
+          </a:p>
+        </p:txBody>
+      </p:sp>
+      <p:sp>
+        <p:nvSpPr>
+          <p:cNvPr id="18" name="Flowchart: Connector 17"/>
+          <p:cNvSpPr/>
+          <p:nvPr/>
+        </p:nvSpPr>
+        <p:spPr>
+          <a:xfrm>
+            <a:off x="339969" y="4381500"/>
+            <a:ext cx="457200" cy="457200"/>
+          </a:xfrm>
+          <a:prstGeom prst="flowChartConnector">
+            <a:avLst/>
+          </a:prstGeom>
+        </p:spPr>
+        <p:style>
+          <a:lnRef idx="1">
+            <a:schemeClr val="accent6"/>
+          </a:lnRef>
+          <a:fillRef idx="2">
+            <a:schemeClr val="accent6"/>
+          </a:fillRef>
+          <a:effectRef idx="1">
+            <a:schemeClr val="accent6"/>
+          </a:effectRef>
+          <a:fontRef idx="minor">
+            <a:schemeClr val="dk1"/>
+          </a:fontRef>
+        </p:style>
+        <p:txBody>
+          <a:bodyPr rtlCol="0" anchor="ctr"/>
+          <a:lstStyle/>
+          <a:p>
+            <a:pPr algn="ctr"/>
+            <a:endParaRPr lang="en-US"/>
+          </a:p>
+        </p:txBody>
+      </p:sp>
+      <p:cxnSp>
+        <p:nvCxnSpPr>
+          <p:cNvPr id="20" name="Straight Connector 19"/>
+          <p:cNvCxnSpPr>
+            <a:stCxn id="15" idx="4"/>
+          </p:cNvCxnSpPr>
+          <p:nvPr/>
+        </p:nvCxnSpPr>
+        <p:spPr>
+          <a:xfrm>
+            <a:off x="685800" y="2305050"/>
+            <a:ext cx="0" cy="452804"/>
+          </a:xfrm>
+          <a:prstGeom prst="line">
+            <a:avLst/>
+          </a:prstGeom>
+        </p:spPr>
+        <p:style>
+          <a:lnRef idx="1">
+            <a:schemeClr val="accent1"/>
+          </a:lnRef>
+          <a:fillRef idx="0">
+            <a:schemeClr val="accent1"/>
+          </a:fillRef>
+          <a:effectRef idx="0">
+            <a:schemeClr val="accent1"/>
+          </a:effectRef>
+          <a:fontRef idx="minor">
+            <a:schemeClr val="tx1"/>
+          </a:fontRef>
+        </p:style>
+      </p:cxnSp>
+      <p:cxnSp>
+        <p:nvCxnSpPr>
+          <p:cNvPr id="22" name="Straight Connector 21"/>
+          <p:cNvCxnSpPr/>
+          <p:nvPr/>
+        </p:nvCxnSpPr>
+        <p:spPr>
+          <a:xfrm>
+            <a:off x="457200" y="2491154"/>
+            <a:ext cx="457200" cy="0"/>
+          </a:xfrm>
+          <a:prstGeom prst="line">
+            <a:avLst/>
+          </a:prstGeom>
+        </p:spPr>
+        <p:style>
+          <a:lnRef idx="1">
+            <a:schemeClr val="accent1"/>
+          </a:lnRef>
+          <a:fillRef idx="0">
+            <a:schemeClr val="accent1"/>
+          </a:fillRef>
+          <a:effectRef idx="0">
+            <a:schemeClr val="accent1"/>
+          </a:effectRef>
+          <a:fontRef idx="minor">
+            <a:schemeClr val="tx1"/>
+          </a:fontRef>
+        </p:style>
+      </p:cxnSp>
+      <p:cxnSp>
+        <p:nvCxnSpPr>
+          <p:cNvPr id="29" name="Straight Connector 28"/>
+          <p:cNvCxnSpPr/>
+          <p:nvPr/>
+        </p:nvCxnSpPr>
+        <p:spPr>
+          <a:xfrm flipH="1" flipV="1">
+            <a:off x="685800" y="2757854"/>
+            <a:ext cx="228600" cy="366346"/>
+          </a:xfrm>
+          <a:prstGeom prst="line">
+            <a:avLst/>
+          </a:prstGeom>
+        </p:spPr>
+        <p:style>
+          <a:lnRef idx="1">
+            <a:schemeClr val="accent1"/>
+          </a:lnRef>
+          <a:fillRef idx="0">
+            <a:schemeClr val="accent1"/>
+          </a:fillRef>
+          <a:effectRef idx="0">
+            <a:schemeClr val="accent1"/>
+          </a:effectRef>
+          <a:fontRef idx="minor">
+            <a:schemeClr val="tx1"/>
+          </a:fontRef>
+        </p:style>
+      </p:cxnSp>
+      <p:cxnSp>
+        <p:nvCxnSpPr>
+          <p:cNvPr id="32" name="Straight Connector 31"/>
+          <p:cNvCxnSpPr/>
+          <p:nvPr/>
+        </p:nvCxnSpPr>
+        <p:spPr>
+          <a:xfrm flipH="1">
+            <a:off x="457200" y="2757854"/>
+            <a:ext cx="228600" cy="366346"/>
+          </a:xfrm>
+          <a:prstGeom prst="line">
+            <a:avLst/>
+          </a:prstGeom>
+        </p:spPr>
+        <p:style>
+          <a:lnRef idx="1">
+            <a:schemeClr val="accent1"/>
+          </a:lnRef>
+          <a:fillRef idx="0">
+            <a:schemeClr val="accent1"/>
+          </a:fillRef>
+          <a:effectRef idx="0">
+            <a:schemeClr val="accent1"/>
+          </a:effectRef>
+          <a:fontRef idx="minor">
+            <a:schemeClr val="tx1"/>
+          </a:fontRef>
+        </p:style>
+      </p:cxnSp>
+      <p:cxnSp>
+        <p:nvCxnSpPr>
+          <p:cNvPr id="39" name="Straight Connector 38"/>
+          <p:cNvCxnSpPr/>
+          <p:nvPr/>
+        </p:nvCxnSpPr>
+        <p:spPr>
+          <a:xfrm>
+            <a:off x="574431" y="4838700"/>
+            <a:ext cx="0" cy="452804"/>
+          </a:xfrm>
+          <a:prstGeom prst="line">
+            <a:avLst/>
+          </a:prstGeom>
+        </p:spPr>
+        <p:style>
+          <a:lnRef idx="1">
+            <a:schemeClr val="accent1"/>
+          </a:lnRef>
+          <a:fillRef idx="0">
+            <a:schemeClr val="accent1"/>
+          </a:fillRef>
+          <a:effectRef idx="0">
+            <a:schemeClr val="accent1"/>
+          </a:effectRef>
+          <a:fontRef idx="minor">
+            <a:schemeClr val="tx1"/>
+          </a:fontRef>
+        </p:style>
+      </p:cxnSp>
+      <p:cxnSp>
+        <p:nvCxnSpPr>
+          <p:cNvPr id="40" name="Straight Connector 39"/>
+          <p:cNvCxnSpPr/>
+          <p:nvPr/>
+        </p:nvCxnSpPr>
+        <p:spPr>
+          <a:xfrm>
+            <a:off x="339969" y="4923692"/>
+            <a:ext cx="457200" cy="0"/>
+          </a:xfrm>
+          <a:prstGeom prst="line">
+            <a:avLst/>
+          </a:prstGeom>
+        </p:spPr>
+        <p:style>
+          <a:lnRef idx="1">
+            <a:schemeClr val="accent1"/>
+          </a:lnRef>
+          <a:fillRef idx="0">
+            <a:schemeClr val="accent1"/>
+          </a:fillRef>
+          <a:effectRef idx="0">
+            <a:schemeClr val="accent1"/>
+          </a:effectRef>
+          <a:fontRef idx="minor">
+            <a:schemeClr val="tx1"/>
+          </a:fontRef>
+        </p:style>
+      </p:cxnSp>
+      <p:cxnSp>
+        <p:nvCxnSpPr>
+          <p:cNvPr id="41" name="Straight Connector 40"/>
+          <p:cNvCxnSpPr/>
+          <p:nvPr/>
+        </p:nvCxnSpPr>
+        <p:spPr>
+          <a:xfrm flipH="1" flipV="1">
+            <a:off x="574431" y="5234353"/>
+            <a:ext cx="228600" cy="366346"/>
+          </a:xfrm>
+          <a:prstGeom prst="line">
+            <a:avLst/>
+          </a:prstGeom>
+        </p:spPr>
+        <p:style>
+          <a:lnRef idx="1">
+            <a:schemeClr val="accent1"/>
+          </a:lnRef>
+          <a:fillRef idx="0">
+            <a:schemeClr val="accent1"/>
+          </a:fillRef>
+          <a:effectRef idx="0">
+            <a:schemeClr val="accent1"/>
+          </a:effectRef>
+          <a:fontRef idx="minor">
+            <a:schemeClr val="tx1"/>
+          </a:fontRef>
+        </p:style>
+      </p:cxnSp>
+      <p:cxnSp>
+        <p:nvCxnSpPr>
+          <p:cNvPr id="43" name="Straight Connector 42"/>
+          <p:cNvCxnSpPr/>
+          <p:nvPr/>
+        </p:nvCxnSpPr>
+        <p:spPr>
+          <a:xfrm flipH="1">
+            <a:off x="345831" y="5237284"/>
+            <a:ext cx="228600" cy="366346"/>
+          </a:xfrm>
+          <a:prstGeom prst="line">
+            <a:avLst/>
+          </a:prstGeom>
+        </p:spPr>
+        <p:style>
+          <a:lnRef idx="1">
+            <a:schemeClr val="accent1"/>
+          </a:lnRef>
+          <a:fillRef idx="0">
+            <a:schemeClr val="accent1"/>
+          </a:fillRef>
+          <a:effectRef idx="0">
+            <a:schemeClr val="accent1"/>
+          </a:effectRef>
+          <a:fontRef idx="minor">
+            <a:schemeClr val="tx1"/>
+          </a:fontRef>
+        </p:style>
+      </p:cxnSp>
+      <p:cxnSp>
+        <p:nvCxnSpPr>
+          <p:cNvPr id="44" name="Straight Connector 43"/>
+          <p:cNvCxnSpPr/>
+          <p:nvPr/>
+        </p:nvCxnSpPr>
+        <p:spPr>
+          <a:xfrm flipH="1">
+            <a:off x="7350369" y="4015154"/>
+            <a:ext cx="228600" cy="366346"/>
+          </a:xfrm>
+          <a:prstGeom prst="line">
+            <a:avLst/>
+          </a:prstGeom>
+        </p:spPr>
+        <p:style>
+          <a:lnRef idx="1">
+            <a:schemeClr val="accent1"/>
+          </a:lnRef>
+          <a:fillRef idx="0">
+            <a:schemeClr val="accent1"/>
+          </a:fillRef>
+          <a:effectRef idx="0">
+            <a:schemeClr val="accent1"/>
+          </a:effectRef>
+          <a:fontRef idx="minor">
+            <a:schemeClr val="tx1"/>
+          </a:fontRef>
+        </p:style>
+      </p:cxnSp>
+      <p:cxnSp>
+        <p:nvCxnSpPr>
+          <p:cNvPr id="45" name="Straight Connector 44"/>
+          <p:cNvCxnSpPr/>
+          <p:nvPr/>
+        </p:nvCxnSpPr>
+        <p:spPr>
+          <a:xfrm flipH="1">
+            <a:off x="7578969" y="6090137"/>
+            <a:ext cx="228600" cy="366346"/>
+          </a:xfrm>
+          <a:prstGeom prst="line">
+            <a:avLst/>
+          </a:prstGeom>
+        </p:spPr>
+        <p:style>
+          <a:lnRef idx="1">
+            <a:schemeClr val="accent1"/>
+          </a:lnRef>
+          <a:fillRef idx="0">
+            <a:schemeClr val="accent1"/>
+          </a:fillRef>
+          <a:effectRef idx="0">
+            <a:schemeClr val="accent1"/>
+          </a:effectRef>
+          <a:fontRef idx="minor">
+            <a:schemeClr val="tx1"/>
+          </a:fontRef>
+        </p:style>
+      </p:cxnSp>
+      <p:cxnSp>
+        <p:nvCxnSpPr>
+          <p:cNvPr id="46" name="Straight Connector 45"/>
+          <p:cNvCxnSpPr/>
+          <p:nvPr/>
+        </p:nvCxnSpPr>
+        <p:spPr>
+          <a:xfrm flipH="1" flipV="1">
+            <a:off x="7578969" y="4015154"/>
+            <a:ext cx="228600" cy="366346"/>
+          </a:xfrm>
+          <a:prstGeom prst="line">
+            <a:avLst/>
+          </a:prstGeom>
+        </p:spPr>
+        <p:style>
+          <a:lnRef idx="1">
+            <a:schemeClr val="accent1"/>
+          </a:lnRef>
+          <a:fillRef idx="0">
+            <a:schemeClr val="accent1"/>
+          </a:fillRef>
+          <a:effectRef idx="0">
+            <a:schemeClr val="accent1"/>
+          </a:effectRef>
+          <a:fontRef idx="minor">
+            <a:schemeClr val="tx1"/>
+          </a:fontRef>
+        </p:style>
+      </p:cxnSp>
+      <p:cxnSp>
+        <p:nvCxnSpPr>
+          <p:cNvPr id="47" name="Straight Connector 46"/>
+          <p:cNvCxnSpPr/>
+          <p:nvPr/>
+        </p:nvCxnSpPr>
+        <p:spPr>
+          <a:xfrm flipH="1" flipV="1">
+            <a:off x="7848600" y="6066691"/>
+            <a:ext cx="228600" cy="366346"/>
+          </a:xfrm>
+          <a:prstGeom prst="line">
+            <a:avLst/>
+          </a:prstGeom>
+        </p:spPr>
+        <p:style>
+          <a:lnRef idx="1">
+            <a:schemeClr val="accent1"/>
+          </a:lnRef>
+          <a:fillRef idx="0">
+            <a:schemeClr val="accent1"/>
+          </a:fillRef>
+          <a:effectRef idx="0">
+            <a:schemeClr val="accent1"/>
+          </a:effectRef>
+          <a:fontRef idx="minor">
+            <a:schemeClr val="tx1"/>
+          </a:fontRef>
+        </p:style>
+      </p:cxnSp>
+      <p:cxnSp>
+        <p:nvCxnSpPr>
+          <p:cNvPr id="48" name="Straight Connector 47"/>
+          <p:cNvCxnSpPr/>
+          <p:nvPr/>
+        </p:nvCxnSpPr>
+        <p:spPr>
+          <a:xfrm>
+            <a:off x="7391400" y="3695700"/>
+            <a:ext cx="457200" cy="0"/>
+          </a:xfrm>
+          <a:prstGeom prst="line">
+            <a:avLst/>
+          </a:prstGeom>
+        </p:spPr>
+        <p:style>
+          <a:lnRef idx="1">
+            <a:schemeClr val="accent1"/>
+          </a:lnRef>
+          <a:fillRef idx="0">
+            <a:schemeClr val="accent1"/>
+          </a:fillRef>
+          <a:effectRef idx="0">
+            <a:schemeClr val="accent1"/>
+          </a:effectRef>
+          <a:fontRef idx="minor">
+            <a:schemeClr val="tx1"/>
+          </a:fontRef>
+        </p:style>
+      </p:cxnSp>
+      <p:cxnSp>
+        <p:nvCxnSpPr>
+          <p:cNvPr id="49" name="Straight Connector 48"/>
+          <p:cNvCxnSpPr/>
+          <p:nvPr/>
+        </p:nvCxnSpPr>
+        <p:spPr>
+          <a:xfrm>
+            <a:off x="7578969" y="5715000"/>
+            <a:ext cx="457200" cy="0"/>
+          </a:xfrm>
+          <a:prstGeom prst="line">
+            <a:avLst/>
+          </a:prstGeom>
+        </p:spPr>
+        <p:style>
+          <a:lnRef idx="1">
+            <a:schemeClr val="accent1"/>
+          </a:lnRef>
+          <a:fillRef idx="0">
+            <a:schemeClr val="accent1"/>
+          </a:fillRef>
+          <a:effectRef idx="0">
+            <a:schemeClr val="accent1"/>
+          </a:effectRef>
+          <a:fontRef idx="minor">
+            <a:schemeClr val="tx1"/>
+          </a:fontRef>
+        </p:style>
+      </p:cxnSp>
+      <p:cxnSp>
+        <p:nvCxnSpPr>
+          <p:cNvPr id="50" name="Straight Connector 49"/>
+          <p:cNvCxnSpPr/>
+          <p:nvPr/>
+        </p:nvCxnSpPr>
+        <p:spPr>
+          <a:xfrm>
+            <a:off x="7590692" y="3471496"/>
+            <a:ext cx="0" cy="452804"/>
+          </a:xfrm>
+          <a:prstGeom prst="line">
+            <a:avLst/>
+          </a:prstGeom>
+        </p:spPr>
+        <p:style>
+          <a:lnRef idx="1">
+            <a:schemeClr val="accent1"/>
+          </a:lnRef>
+          <a:fillRef idx="0">
+            <a:schemeClr val="accent1"/>
+          </a:fillRef>
+          <a:effectRef idx="0">
+            <a:schemeClr val="accent1"/>
+          </a:effectRef>
+          <a:fontRef idx="minor">
+            <a:schemeClr val="tx1"/>
+          </a:fontRef>
+        </p:style>
+      </p:cxnSp>
+      <p:cxnSp>
+        <p:nvCxnSpPr>
+          <p:cNvPr id="51" name="Straight Connector 50"/>
+          <p:cNvCxnSpPr/>
+          <p:nvPr/>
+        </p:nvCxnSpPr>
+        <p:spPr>
+          <a:xfrm>
+            <a:off x="7848600" y="5522302"/>
+            <a:ext cx="0" cy="452804"/>
+          </a:xfrm>
+          <a:prstGeom prst="line">
+            <a:avLst/>
+          </a:prstGeom>
+        </p:spPr>
+        <p:style>
+          <a:lnRef idx="1">
+            <a:schemeClr val="accent1"/>
+          </a:lnRef>
+          <a:fillRef idx="0">
+            <a:schemeClr val="accent1"/>
+          </a:fillRef>
+          <a:effectRef idx="0">
+            <a:schemeClr val="accent1"/>
+          </a:effectRef>
+          <a:fontRef idx="minor">
+            <a:schemeClr val="tx1"/>
+          </a:fontRef>
+        </p:style>
+      </p:cxnSp>
     </p:spTree>
     <p:extLst>
       <p:ext uri="{BB962C8B-B14F-4D97-AF65-F5344CB8AC3E}">
-        <p14:creationId xmlns:p14="http://schemas.microsoft.com/office/powerpoint/2010/main" val="2282469217"/>
+        <p14:creationId xmlns:p14="http://schemas.microsoft.com/office/powerpoint/2010/main" val="243216087"/>
       </p:ext>
     </p:extLst>
   </p:cSld>
   <p:clrMapOvr>
     <a:masterClrMapping/>
   </p:clrMapOvr>
+  <p:timing>
+    <p:tnLst>
+      <p:par>
+        <p:cTn id="1" dur="indefinite" restart="never" nodeType="tmRoot"/>
+      </p:par>
+    </p:tnLst>
+  </p:timing>
 </p:sld>
 </file>
 
